--- a/48_Information/Buttons.pptx
+++ b/48_Information/Buttons.pptx
@@ -7,6 +7,7 @@
   <p:sldIdLst>
     <p:sldId id="256" r:id="rId2"/>
     <p:sldId id="257" r:id="rId3"/>
+    <p:sldId id="258" r:id="rId4"/>
   </p:sldIdLst>
   <p:sldSz cx="12192000" cy="6858000"/>
   <p:notesSz cx="6858000" cy="9144000"/>
@@ -107,7 +108,7 @@
   </p:defaultTextStyle>
   <p:extLst>
     <p:ext uri="{EFAFB233-063F-42B5-8137-9DF3F51BA10A}">
-      <p15:sldGuideLst xmlns:p15="http://schemas.microsoft.com/office/powerpoint/2012/main" xmlns=""/>
+      <p15:sldGuideLst xmlns="" xmlns:p15="http://schemas.microsoft.com/office/powerpoint/2012/main"/>
     </p:ext>
   </p:extLst>
 </p:presentation>
@@ -220,7 +221,7 @@
           <p:cNvPr id="2" name="Title 1">
             <a:extLst>
               <a:ext uri="{FF2B5EF4-FFF2-40B4-BE49-F238E27FC236}">
-                <a16:creationId xmlns:a16="http://schemas.microsoft.com/office/drawing/2014/main" xmlns="" id="{6765EDAE-CD52-C65B-AECE-23258297AA42}"/>
+                <a16:creationId xmlns="" xmlns:a16="http://schemas.microsoft.com/office/drawing/2014/main" id="{6765EDAE-CD52-C65B-AECE-23258297AA42}"/>
               </a:ext>
             </a:extLst>
           </p:cNvPr>
@@ -257,7 +258,7 @@
           <p:cNvPr id="3" name="Subtitle 2">
             <a:extLst>
               <a:ext uri="{FF2B5EF4-FFF2-40B4-BE49-F238E27FC236}">
-                <a16:creationId xmlns:a16="http://schemas.microsoft.com/office/drawing/2014/main" xmlns="" id="{2FEBEF51-7344-46FA-8EA9-7412478CFEC5}"/>
+                <a16:creationId xmlns="" xmlns:a16="http://schemas.microsoft.com/office/drawing/2014/main" id="{2FEBEF51-7344-46FA-8EA9-7412478CFEC5}"/>
               </a:ext>
             </a:extLst>
           </p:cNvPr>
@@ -327,7 +328,7 @@
           <p:cNvPr id="4" name="Date Placeholder 3">
             <a:extLst>
               <a:ext uri="{FF2B5EF4-FFF2-40B4-BE49-F238E27FC236}">
-                <a16:creationId xmlns:a16="http://schemas.microsoft.com/office/drawing/2014/main" xmlns="" id="{B5B0F28A-059C-E1C2-6750-AE58EF05C372}"/>
+                <a16:creationId xmlns="" xmlns:a16="http://schemas.microsoft.com/office/drawing/2014/main" id="{B5B0F28A-059C-E1C2-6750-AE58EF05C372}"/>
               </a:ext>
             </a:extLst>
           </p:cNvPr>
@@ -346,7 +347,7 @@
             <a:fld id="{4862FF9E-176D-4054-BBB8-3149401C51F7}" type="datetimeFigureOut">
               <a:rPr lang="en-GB" smtClean="0"/>
               <a:pPr/>
-              <a:t>26/06/2025</a:t>
+              <a:t>06/07/2025</a:t>
             </a:fld>
             <a:endParaRPr lang="en-GB"/>
           </a:p>
@@ -357,7 +358,7 @@
           <p:cNvPr id="5" name="Footer Placeholder 4">
             <a:extLst>
               <a:ext uri="{FF2B5EF4-FFF2-40B4-BE49-F238E27FC236}">
-                <a16:creationId xmlns:a16="http://schemas.microsoft.com/office/drawing/2014/main" xmlns="" id="{FE5F2E00-C1DD-4BEC-C73F-F5893829F2DF}"/>
+                <a16:creationId xmlns="" xmlns:a16="http://schemas.microsoft.com/office/drawing/2014/main" id="{FE5F2E00-C1DD-4BEC-C73F-F5893829F2DF}"/>
               </a:ext>
             </a:extLst>
           </p:cNvPr>
@@ -382,7 +383,7 @@
           <p:cNvPr id="6" name="Slide Number Placeholder 5">
             <a:extLst>
               <a:ext uri="{FF2B5EF4-FFF2-40B4-BE49-F238E27FC236}">
-                <a16:creationId xmlns:a16="http://schemas.microsoft.com/office/drawing/2014/main" xmlns="" id="{197AC239-5518-8DA8-62B5-99359AB6CBFB}"/>
+                <a16:creationId xmlns="" xmlns:a16="http://schemas.microsoft.com/office/drawing/2014/main" id="{197AC239-5518-8DA8-62B5-99359AB6CBFB}"/>
               </a:ext>
             </a:extLst>
           </p:cNvPr>
@@ -410,7 +411,7 @@
     </p:spTree>
     <p:extLst>
       <p:ext uri="{BB962C8B-B14F-4D97-AF65-F5344CB8AC3E}">
-        <p14:creationId xmlns:p14="http://schemas.microsoft.com/office/powerpoint/2010/main" xmlns="" val="4294660070"/>
+        <p14:creationId xmlns="" xmlns:p14="http://schemas.microsoft.com/office/powerpoint/2010/main" val="4294660070"/>
       </p:ext>
     </p:extLst>
   </p:cSld>
@@ -442,7 +443,7 @@
           <p:cNvPr id="2" name="Title 1">
             <a:extLst>
               <a:ext uri="{FF2B5EF4-FFF2-40B4-BE49-F238E27FC236}">
-                <a16:creationId xmlns:a16="http://schemas.microsoft.com/office/drawing/2014/main" xmlns="" id="{FE6720D1-7F8D-27AE-DD5C-B4DAFAEBBD71}"/>
+                <a16:creationId xmlns="" xmlns:a16="http://schemas.microsoft.com/office/drawing/2014/main" id="{FE6720D1-7F8D-27AE-DD5C-B4DAFAEBBD71}"/>
               </a:ext>
             </a:extLst>
           </p:cNvPr>
@@ -470,7 +471,7 @@
           <p:cNvPr id="3" name="Vertical Text Placeholder 2">
             <a:extLst>
               <a:ext uri="{FF2B5EF4-FFF2-40B4-BE49-F238E27FC236}">
-                <a16:creationId xmlns:a16="http://schemas.microsoft.com/office/drawing/2014/main" xmlns="" id="{CA6E05C5-8ED8-1484-1DE7-B2327EF51DD9}"/>
+                <a16:creationId xmlns="" xmlns:a16="http://schemas.microsoft.com/office/drawing/2014/main" id="{CA6E05C5-8ED8-1484-1DE7-B2327EF51DD9}"/>
               </a:ext>
             </a:extLst>
           </p:cNvPr>
@@ -527,7 +528,7 @@
           <p:cNvPr id="4" name="Date Placeholder 3">
             <a:extLst>
               <a:ext uri="{FF2B5EF4-FFF2-40B4-BE49-F238E27FC236}">
-                <a16:creationId xmlns:a16="http://schemas.microsoft.com/office/drawing/2014/main" xmlns="" id="{6F1D96C1-B83E-B101-1EA6-0A6EC9A73B0A}"/>
+                <a16:creationId xmlns="" xmlns:a16="http://schemas.microsoft.com/office/drawing/2014/main" id="{6F1D96C1-B83E-B101-1EA6-0A6EC9A73B0A}"/>
               </a:ext>
             </a:extLst>
           </p:cNvPr>
@@ -546,7 +547,7 @@
             <a:fld id="{4862FF9E-176D-4054-BBB8-3149401C51F7}" type="datetimeFigureOut">
               <a:rPr lang="en-GB" smtClean="0"/>
               <a:pPr/>
-              <a:t>26/06/2025</a:t>
+              <a:t>06/07/2025</a:t>
             </a:fld>
             <a:endParaRPr lang="en-GB"/>
           </a:p>
@@ -557,7 +558,7 @@
           <p:cNvPr id="5" name="Footer Placeholder 4">
             <a:extLst>
               <a:ext uri="{FF2B5EF4-FFF2-40B4-BE49-F238E27FC236}">
-                <a16:creationId xmlns:a16="http://schemas.microsoft.com/office/drawing/2014/main" xmlns="" id="{64CAA912-B546-3148-6B05-FA5A96AE97E0}"/>
+                <a16:creationId xmlns="" xmlns:a16="http://schemas.microsoft.com/office/drawing/2014/main" id="{64CAA912-B546-3148-6B05-FA5A96AE97E0}"/>
               </a:ext>
             </a:extLst>
           </p:cNvPr>
@@ -582,7 +583,7 @@
           <p:cNvPr id="6" name="Slide Number Placeholder 5">
             <a:extLst>
               <a:ext uri="{FF2B5EF4-FFF2-40B4-BE49-F238E27FC236}">
-                <a16:creationId xmlns:a16="http://schemas.microsoft.com/office/drawing/2014/main" xmlns="" id="{31DA12F0-A09E-B000-380C-7FD24E39DDDD}"/>
+                <a16:creationId xmlns="" xmlns:a16="http://schemas.microsoft.com/office/drawing/2014/main" id="{31DA12F0-A09E-B000-380C-7FD24E39DDDD}"/>
               </a:ext>
             </a:extLst>
           </p:cNvPr>
@@ -610,7 +611,7 @@
     </p:spTree>
     <p:extLst>
       <p:ext uri="{BB962C8B-B14F-4D97-AF65-F5344CB8AC3E}">
-        <p14:creationId xmlns:p14="http://schemas.microsoft.com/office/powerpoint/2010/main" xmlns="" val="928196487"/>
+        <p14:creationId xmlns="" xmlns:p14="http://schemas.microsoft.com/office/powerpoint/2010/main" val="928196487"/>
       </p:ext>
     </p:extLst>
   </p:cSld>
@@ -642,7 +643,7 @@
           <p:cNvPr id="2" name="Vertical Title 1">
             <a:extLst>
               <a:ext uri="{FF2B5EF4-FFF2-40B4-BE49-F238E27FC236}">
-                <a16:creationId xmlns:a16="http://schemas.microsoft.com/office/drawing/2014/main" xmlns="" id="{35202D14-AE51-BDAD-7468-1041ED965661}"/>
+                <a16:creationId xmlns="" xmlns:a16="http://schemas.microsoft.com/office/drawing/2014/main" id="{35202D14-AE51-BDAD-7468-1041ED965661}"/>
               </a:ext>
             </a:extLst>
           </p:cNvPr>
@@ -675,7 +676,7 @@
           <p:cNvPr id="3" name="Vertical Text Placeholder 2">
             <a:extLst>
               <a:ext uri="{FF2B5EF4-FFF2-40B4-BE49-F238E27FC236}">
-                <a16:creationId xmlns:a16="http://schemas.microsoft.com/office/drawing/2014/main" xmlns="" id="{3ECC1EE3-F3BA-E7F5-0695-50D8DAB257A1}"/>
+                <a16:creationId xmlns="" xmlns:a16="http://schemas.microsoft.com/office/drawing/2014/main" id="{3ECC1EE3-F3BA-E7F5-0695-50D8DAB257A1}"/>
               </a:ext>
             </a:extLst>
           </p:cNvPr>
@@ -737,7 +738,7 @@
           <p:cNvPr id="4" name="Date Placeholder 3">
             <a:extLst>
               <a:ext uri="{FF2B5EF4-FFF2-40B4-BE49-F238E27FC236}">
-                <a16:creationId xmlns:a16="http://schemas.microsoft.com/office/drawing/2014/main" xmlns="" id="{1618033B-DAFB-2F61-321C-A88A124E5BD4}"/>
+                <a16:creationId xmlns="" xmlns:a16="http://schemas.microsoft.com/office/drawing/2014/main" id="{1618033B-DAFB-2F61-321C-A88A124E5BD4}"/>
               </a:ext>
             </a:extLst>
           </p:cNvPr>
@@ -756,7 +757,7 @@
             <a:fld id="{4862FF9E-176D-4054-BBB8-3149401C51F7}" type="datetimeFigureOut">
               <a:rPr lang="en-GB" smtClean="0"/>
               <a:pPr/>
-              <a:t>26/06/2025</a:t>
+              <a:t>06/07/2025</a:t>
             </a:fld>
             <a:endParaRPr lang="en-GB"/>
           </a:p>
@@ -767,7 +768,7 @@
           <p:cNvPr id="5" name="Footer Placeholder 4">
             <a:extLst>
               <a:ext uri="{FF2B5EF4-FFF2-40B4-BE49-F238E27FC236}">
-                <a16:creationId xmlns:a16="http://schemas.microsoft.com/office/drawing/2014/main" xmlns="" id="{FA0DD622-C62A-D00F-9CDE-70B05976351D}"/>
+                <a16:creationId xmlns="" xmlns:a16="http://schemas.microsoft.com/office/drawing/2014/main" id="{FA0DD622-C62A-D00F-9CDE-70B05976351D}"/>
               </a:ext>
             </a:extLst>
           </p:cNvPr>
@@ -792,7 +793,7 @@
           <p:cNvPr id="6" name="Slide Number Placeholder 5">
             <a:extLst>
               <a:ext uri="{FF2B5EF4-FFF2-40B4-BE49-F238E27FC236}">
-                <a16:creationId xmlns:a16="http://schemas.microsoft.com/office/drawing/2014/main" xmlns="" id="{961BACBB-61E5-D904-8DFA-B7EAB96BF945}"/>
+                <a16:creationId xmlns="" xmlns:a16="http://schemas.microsoft.com/office/drawing/2014/main" id="{961BACBB-61E5-D904-8DFA-B7EAB96BF945}"/>
               </a:ext>
             </a:extLst>
           </p:cNvPr>
@@ -820,7 +821,7 @@
     </p:spTree>
     <p:extLst>
       <p:ext uri="{BB962C8B-B14F-4D97-AF65-F5344CB8AC3E}">
-        <p14:creationId xmlns:p14="http://schemas.microsoft.com/office/powerpoint/2010/main" xmlns="" val="1962347364"/>
+        <p14:creationId xmlns="" xmlns:p14="http://schemas.microsoft.com/office/powerpoint/2010/main" val="1962347364"/>
       </p:ext>
     </p:extLst>
   </p:cSld>
@@ -852,7 +853,7 @@
           <p:cNvPr id="2" name="Title 1">
             <a:extLst>
               <a:ext uri="{FF2B5EF4-FFF2-40B4-BE49-F238E27FC236}">
-                <a16:creationId xmlns:a16="http://schemas.microsoft.com/office/drawing/2014/main" xmlns="" id="{69310983-6F2B-C93D-F3E2-B9B7FFE87007}"/>
+                <a16:creationId xmlns="" xmlns:a16="http://schemas.microsoft.com/office/drawing/2014/main" id="{69310983-6F2B-C93D-F3E2-B9B7FFE87007}"/>
               </a:ext>
             </a:extLst>
           </p:cNvPr>
@@ -880,7 +881,7 @@
           <p:cNvPr id="3" name="Content Placeholder 2">
             <a:extLst>
               <a:ext uri="{FF2B5EF4-FFF2-40B4-BE49-F238E27FC236}">
-                <a16:creationId xmlns:a16="http://schemas.microsoft.com/office/drawing/2014/main" xmlns="" id="{71D7729D-AFBA-0013-8ADE-935F1D29A351}"/>
+                <a16:creationId xmlns="" xmlns:a16="http://schemas.microsoft.com/office/drawing/2014/main" id="{71D7729D-AFBA-0013-8ADE-935F1D29A351}"/>
               </a:ext>
             </a:extLst>
           </p:cNvPr>
@@ -937,7 +938,7 @@
           <p:cNvPr id="4" name="Date Placeholder 3">
             <a:extLst>
               <a:ext uri="{FF2B5EF4-FFF2-40B4-BE49-F238E27FC236}">
-                <a16:creationId xmlns:a16="http://schemas.microsoft.com/office/drawing/2014/main" xmlns="" id="{8BDDD648-4F07-DE43-B2FC-5D4C1E3EEE7F}"/>
+                <a16:creationId xmlns="" xmlns:a16="http://schemas.microsoft.com/office/drawing/2014/main" id="{8BDDD648-4F07-DE43-B2FC-5D4C1E3EEE7F}"/>
               </a:ext>
             </a:extLst>
           </p:cNvPr>
@@ -956,7 +957,7 @@
             <a:fld id="{4862FF9E-176D-4054-BBB8-3149401C51F7}" type="datetimeFigureOut">
               <a:rPr lang="en-GB" smtClean="0"/>
               <a:pPr/>
-              <a:t>26/06/2025</a:t>
+              <a:t>06/07/2025</a:t>
             </a:fld>
             <a:endParaRPr lang="en-GB"/>
           </a:p>
@@ -967,7 +968,7 @@
           <p:cNvPr id="5" name="Footer Placeholder 4">
             <a:extLst>
               <a:ext uri="{FF2B5EF4-FFF2-40B4-BE49-F238E27FC236}">
-                <a16:creationId xmlns:a16="http://schemas.microsoft.com/office/drawing/2014/main" xmlns="" id="{632C891E-50DC-B17E-2EA9-A4928AD024C6}"/>
+                <a16:creationId xmlns="" xmlns:a16="http://schemas.microsoft.com/office/drawing/2014/main" id="{632C891E-50DC-B17E-2EA9-A4928AD024C6}"/>
               </a:ext>
             </a:extLst>
           </p:cNvPr>
@@ -992,7 +993,7 @@
           <p:cNvPr id="6" name="Slide Number Placeholder 5">
             <a:extLst>
               <a:ext uri="{FF2B5EF4-FFF2-40B4-BE49-F238E27FC236}">
-                <a16:creationId xmlns:a16="http://schemas.microsoft.com/office/drawing/2014/main" xmlns="" id="{8FE82E92-17BE-A52B-165C-C72EDF9493F9}"/>
+                <a16:creationId xmlns="" xmlns:a16="http://schemas.microsoft.com/office/drawing/2014/main" id="{8FE82E92-17BE-A52B-165C-C72EDF9493F9}"/>
               </a:ext>
             </a:extLst>
           </p:cNvPr>
@@ -1020,7 +1021,7 @@
     </p:spTree>
     <p:extLst>
       <p:ext uri="{BB962C8B-B14F-4D97-AF65-F5344CB8AC3E}">
-        <p14:creationId xmlns:p14="http://schemas.microsoft.com/office/powerpoint/2010/main" xmlns="" val="2731203742"/>
+        <p14:creationId xmlns="" xmlns:p14="http://schemas.microsoft.com/office/powerpoint/2010/main" val="2731203742"/>
       </p:ext>
     </p:extLst>
   </p:cSld>
@@ -1052,7 +1053,7 @@
           <p:cNvPr id="2" name="Title 1">
             <a:extLst>
               <a:ext uri="{FF2B5EF4-FFF2-40B4-BE49-F238E27FC236}">
-                <a16:creationId xmlns:a16="http://schemas.microsoft.com/office/drawing/2014/main" xmlns="" id="{88CBB635-753D-9FC2-0452-B98B1A761F25}"/>
+                <a16:creationId xmlns="" xmlns:a16="http://schemas.microsoft.com/office/drawing/2014/main" id="{88CBB635-753D-9FC2-0452-B98B1A761F25}"/>
               </a:ext>
             </a:extLst>
           </p:cNvPr>
@@ -1089,7 +1090,7 @@
           <p:cNvPr id="3" name="Text Placeholder 2">
             <a:extLst>
               <a:ext uri="{FF2B5EF4-FFF2-40B4-BE49-F238E27FC236}">
-                <a16:creationId xmlns:a16="http://schemas.microsoft.com/office/drawing/2014/main" xmlns="" id="{B614B9F5-190B-25BE-FA7E-3350F0D9B2BB}"/>
+                <a16:creationId xmlns="" xmlns:a16="http://schemas.microsoft.com/office/drawing/2014/main" id="{B614B9F5-190B-25BE-FA7E-3350F0D9B2BB}"/>
               </a:ext>
             </a:extLst>
           </p:cNvPr>
@@ -1214,7 +1215,7 @@
           <p:cNvPr id="4" name="Date Placeholder 3">
             <a:extLst>
               <a:ext uri="{FF2B5EF4-FFF2-40B4-BE49-F238E27FC236}">
-                <a16:creationId xmlns:a16="http://schemas.microsoft.com/office/drawing/2014/main" xmlns="" id="{F12FC4F2-77BD-B261-B423-CE4EEC7B248D}"/>
+                <a16:creationId xmlns="" xmlns:a16="http://schemas.microsoft.com/office/drawing/2014/main" id="{F12FC4F2-77BD-B261-B423-CE4EEC7B248D}"/>
               </a:ext>
             </a:extLst>
           </p:cNvPr>
@@ -1233,7 +1234,7 @@
             <a:fld id="{4862FF9E-176D-4054-BBB8-3149401C51F7}" type="datetimeFigureOut">
               <a:rPr lang="en-GB" smtClean="0"/>
               <a:pPr/>
-              <a:t>26/06/2025</a:t>
+              <a:t>06/07/2025</a:t>
             </a:fld>
             <a:endParaRPr lang="en-GB"/>
           </a:p>
@@ -1244,7 +1245,7 @@
           <p:cNvPr id="5" name="Footer Placeholder 4">
             <a:extLst>
               <a:ext uri="{FF2B5EF4-FFF2-40B4-BE49-F238E27FC236}">
-                <a16:creationId xmlns:a16="http://schemas.microsoft.com/office/drawing/2014/main" xmlns="" id="{9FA9D157-C91A-39D7-14BF-C2DD8147F69B}"/>
+                <a16:creationId xmlns="" xmlns:a16="http://schemas.microsoft.com/office/drawing/2014/main" id="{9FA9D157-C91A-39D7-14BF-C2DD8147F69B}"/>
               </a:ext>
             </a:extLst>
           </p:cNvPr>
@@ -1269,7 +1270,7 @@
           <p:cNvPr id="6" name="Slide Number Placeholder 5">
             <a:extLst>
               <a:ext uri="{FF2B5EF4-FFF2-40B4-BE49-F238E27FC236}">
-                <a16:creationId xmlns:a16="http://schemas.microsoft.com/office/drawing/2014/main" xmlns="" id="{B4716B4A-51A3-9059-08AB-582136211378}"/>
+                <a16:creationId xmlns="" xmlns:a16="http://schemas.microsoft.com/office/drawing/2014/main" id="{B4716B4A-51A3-9059-08AB-582136211378}"/>
               </a:ext>
             </a:extLst>
           </p:cNvPr>
@@ -1297,7 +1298,7 @@
     </p:spTree>
     <p:extLst>
       <p:ext uri="{BB962C8B-B14F-4D97-AF65-F5344CB8AC3E}">
-        <p14:creationId xmlns:p14="http://schemas.microsoft.com/office/powerpoint/2010/main" xmlns="" val="1591260979"/>
+        <p14:creationId xmlns="" xmlns:p14="http://schemas.microsoft.com/office/powerpoint/2010/main" val="1591260979"/>
       </p:ext>
     </p:extLst>
   </p:cSld>
@@ -1329,7 +1330,7 @@
           <p:cNvPr id="2" name="Title 1">
             <a:extLst>
               <a:ext uri="{FF2B5EF4-FFF2-40B4-BE49-F238E27FC236}">
-                <a16:creationId xmlns:a16="http://schemas.microsoft.com/office/drawing/2014/main" xmlns="" id="{FDBF8ACC-F398-026D-F89A-7FCCE998CB6E}"/>
+                <a16:creationId xmlns="" xmlns:a16="http://schemas.microsoft.com/office/drawing/2014/main" id="{FDBF8ACC-F398-026D-F89A-7FCCE998CB6E}"/>
               </a:ext>
             </a:extLst>
           </p:cNvPr>
@@ -1357,7 +1358,7 @@
           <p:cNvPr id="3" name="Content Placeholder 2">
             <a:extLst>
               <a:ext uri="{FF2B5EF4-FFF2-40B4-BE49-F238E27FC236}">
-                <a16:creationId xmlns:a16="http://schemas.microsoft.com/office/drawing/2014/main" xmlns="" id="{7552F833-BFCD-13D4-C870-B90C75C1CC8D}"/>
+                <a16:creationId xmlns="" xmlns:a16="http://schemas.microsoft.com/office/drawing/2014/main" id="{7552F833-BFCD-13D4-C870-B90C75C1CC8D}"/>
               </a:ext>
             </a:extLst>
           </p:cNvPr>
@@ -1419,7 +1420,7 @@
           <p:cNvPr id="4" name="Content Placeholder 3">
             <a:extLst>
               <a:ext uri="{FF2B5EF4-FFF2-40B4-BE49-F238E27FC236}">
-                <a16:creationId xmlns:a16="http://schemas.microsoft.com/office/drawing/2014/main" xmlns="" id="{8517A54F-399B-D6E0-F298-A677D99F32FF}"/>
+                <a16:creationId xmlns="" xmlns:a16="http://schemas.microsoft.com/office/drawing/2014/main" id="{8517A54F-399B-D6E0-F298-A677D99F32FF}"/>
               </a:ext>
             </a:extLst>
           </p:cNvPr>
@@ -1481,7 +1482,7 @@
           <p:cNvPr id="5" name="Date Placeholder 4">
             <a:extLst>
               <a:ext uri="{FF2B5EF4-FFF2-40B4-BE49-F238E27FC236}">
-                <a16:creationId xmlns:a16="http://schemas.microsoft.com/office/drawing/2014/main" xmlns="" id="{65EA3D23-BCDA-28D5-AB92-265774689D52}"/>
+                <a16:creationId xmlns="" xmlns:a16="http://schemas.microsoft.com/office/drawing/2014/main" id="{65EA3D23-BCDA-28D5-AB92-265774689D52}"/>
               </a:ext>
             </a:extLst>
           </p:cNvPr>
@@ -1500,7 +1501,7 @@
             <a:fld id="{4862FF9E-176D-4054-BBB8-3149401C51F7}" type="datetimeFigureOut">
               <a:rPr lang="en-GB" smtClean="0"/>
               <a:pPr/>
-              <a:t>26/06/2025</a:t>
+              <a:t>06/07/2025</a:t>
             </a:fld>
             <a:endParaRPr lang="en-GB"/>
           </a:p>
@@ -1511,7 +1512,7 @@
           <p:cNvPr id="6" name="Footer Placeholder 5">
             <a:extLst>
               <a:ext uri="{FF2B5EF4-FFF2-40B4-BE49-F238E27FC236}">
-                <a16:creationId xmlns:a16="http://schemas.microsoft.com/office/drawing/2014/main" xmlns="" id="{0478CA32-ACA2-3127-BFC8-22A7F3CF293A}"/>
+                <a16:creationId xmlns="" xmlns:a16="http://schemas.microsoft.com/office/drawing/2014/main" id="{0478CA32-ACA2-3127-BFC8-22A7F3CF293A}"/>
               </a:ext>
             </a:extLst>
           </p:cNvPr>
@@ -1536,7 +1537,7 @@
           <p:cNvPr id="7" name="Slide Number Placeholder 6">
             <a:extLst>
               <a:ext uri="{FF2B5EF4-FFF2-40B4-BE49-F238E27FC236}">
-                <a16:creationId xmlns:a16="http://schemas.microsoft.com/office/drawing/2014/main" xmlns="" id="{70E9E385-B15B-1124-0141-649E82DF6304}"/>
+                <a16:creationId xmlns="" xmlns:a16="http://schemas.microsoft.com/office/drawing/2014/main" id="{70E9E385-B15B-1124-0141-649E82DF6304}"/>
               </a:ext>
             </a:extLst>
           </p:cNvPr>
@@ -1564,7 +1565,7 @@
     </p:spTree>
     <p:extLst>
       <p:ext uri="{BB962C8B-B14F-4D97-AF65-F5344CB8AC3E}">
-        <p14:creationId xmlns:p14="http://schemas.microsoft.com/office/powerpoint/2010/main" xmlns="" val="2705086358"/>
+        <p14:creationId xmlns="" xmlns:p14="http://schemas.microsoft.com/office/powerpoint/2010/main" val="2705086358"/>
       </p:ext>
     </p:extLst>
   </p:cSld>
@@ -1596,7 +1597,7 @@
           <p:cNvPr id="2" name="Title 1">
             <a:extLst>
               <a:ext uri="{FF2B5EF4-FFF2-40B4-BE49-F238E27FC236}">
-                <a16:creationId xmlns:a16="http://schemas.microsoft.com/office/drawing/2014/main" xmlns="" id="{2BD6D298-AA91-486C-9746-5CD8465C62E4}"/>
+                <a16:creationId xmlns="" xmlns:a16="http://schemas.microsoft.com/office/drawing/2014/main" id="{2BD6D298-AA91-486C-9746-5CD8465C62E4}"/>
               </a:ext>
             </a:extLst>
           </p:cNvPr>
@@ -1629,7 +1630,7 @@
           <p:cNvPr id="3" name="Text Placeholder 2">
             <a:extLst>
               <a:ext uri="{FF2B5EF4-FFF2-40B4-BE49-F238E27FC236}">
-                <a16:creationId xmlns:a16="http://schemas.microsoft.com/office/drawing/2014/main" xmlns="" id="{CE4AB64E-4B77-8F4D-BC59-4BED0401B10B}"/>
+                <a16:creationId xmlns="" xmlns:a16="http://schemas.microsoft.com/office/drawing/2014/main" id="{CE4AB64E-4B77-8F4D-BC59-4BED0401B10B}"/>
               </a:ext>
             </a:extLst>
           </p:cNvPr>
@@ -1700,7 +1701,7 @@
           <p:cNvPr id="4" name="Content Placeholder 3">
             <a:extLst>
               <a:ext uri="{FF2B5EF4-FFF2-40B4-BE49-F238E27FC236}">
-                <a16:creationId xmlns:a16="http://schemas.microsoft.com/office/drawing/2014/main" xmlns="" id="{66D2B900-DC35-4401-E7B4-7185ABF7B69F}"/>
+                <a16:creationId xmlns="" xmlns:a16="http://schemas.microsoft.com/office/drawing/2014/main" id="{66D2B900-DC35-4401-E7B4-7185ABF7B69F}"/>
               </a:ext>
             </a:extLst>
           </p:cNvPr>
@@ -1762,7 +1763,7 @@
           <p:cNvPr id="5" name="Text Placeholder 4">
             <a:extLst>
               <a:ext uri="{FF2B5EF4-FFF2-40B4-BE49-F238E27FC236}">
-                <a16:creationId xmlns:a16="http://schemas.microsoft.com/office/drawing/2014/main" xmlns="" id="{698C35F8-079E-0259-17D2-2CC7C7DC62AA}"/>
+                <a16:creationId xmlns="" xmlns:a16="http://schemas.microsoft.com/office/drawing/2014/main" id="{698C35F8-079E-0259-17D2-2CC7C7DC62AA}"/>
               </a:ext>
             </a:extLst>
           </p:cNvPr>
@@ -1833,7 +1834,7 @@
           <p:cNvPr id="6" name="Content Placeholder 5">
             <a:extLst>
               <a:ext uri="{FF2B5EF4-FFF2-40B4-BE49-F238E27FC236}">
-                <a16:creationId xmlns:a16="http://schemas.microsoft.com/office/drawing/2014/main" xmlns="" id="{A61BC6E5-DF35-4E1A-F36C-7AA5A2323C04}"/>
+                <a16:creationId xmlns="" xmlns:a16="http://schemas.microsoft.com/office/drawing/2014/main" id="{A61BC6E5-DF35-4E1A-F36C-7AA5A2323C04}"/>
               </a:ext>
             </a:extLst>
           </p:cNvPr>
@@ -1895,7 +1896,7 @@
           <p:cNvPr id="7" name="Date Placeholder 6">
             <a:extLst>
               <a:ext uri="{FF2B5EF4-FFF2-40B4-BE49-F238E27FC236}">
-                <a16:creationId xmlns:a16="http://schemas.microsoft.com/office/drawing/2014/main" xmlns="" id="{D981B4BC-C993-0F25-3760-DB263066F421}"/>
+                <a16:creationId xmlns="" xmlns:a16="http://schemas.microsoft.com/office/drawing/2014/main" id="{D981B4BC-C993-0F25-3760-DB263066F421}"/>
               </a:ext>
             </a:extLst>
           </p:cNvPr>
@@ -1914,7 +1915,7 @@
             <a:fld id="{4862FF9E-176D-4054-BBB8-3149401C51F7}" type="datetimeFigureOut">
               <a:rPr lang="en-GB" smtClean="0"/>
               <a:pPr/>
-              <a:t>26/06/2025</a:t>
+              <a:t>06/07/2025</a:t>
             </a:fld>
             <a:endParaRPr lang="en-GB"/>
           </a:p>
@@ -1925,7 +1926,7 @@
           <p:cNvPr id="8" name="Footer Placeholder 7">
             <a:extLst>
               <a:ext uri="{FF2B5EF4-FFF2-40B4-BE49-F238E27FC236}">
-                <a16:creationId xmlns:a16="http://schemas.microsoft.com/office/drawing/2014/main" xmlns="" id="{9C727661-A5BF-6055-5E66-C20B6C82B6FF}"/>
+                <a16:creationId xmlns="" xmlns:a16="http://schemas.microsoft.com/office/drawing/2014/main" id="{9C727661-A5BF-6055-5E66-C20B6C82B6FF}"/>
               </a:ext>
             </a:extLst>
           </p:cNvPr>
@@ -1950,7 +1951,7 @@
           <p:cNvPr id="9" name="Slide Number Placeholder 8">
             <a:extLst>
               <a:ext uri="{FF2B5EF4-FFF2-40B4-BE49-F238E27FC236}">
-                <a16:creationId xmlns:a16="http://schemas.microsoft.com/office/drawing/2014/main" xmlns="" id="{B3AC4A6C-789F-6A07-011B-A9D2C5058B54}"/>
+                <a16:creationId xmlns="" xmlns:a16="http://schemas.microsoft.com/office/drawing/2014/main" id="{B3AC4A6C-789F-6A07-011B-A9D2C5058B54}"/>
               </a:ext>
             </a:extLst>
           </p:cNvPr>
@@ -1978,7 +1979,7 @@
     </p:spTree>
     <p:extLst>
       <p:ext uri="{BB962C8B-B14F-4D97-AF65-F5344CB8AC3E}">
-        <p14:creationId xmlns:p14="http://schemas.microsoft.com/office/powerpoint/2010/main" xmlns="" val="2297401457"/>
+        <p14:creationId xmlns="" xmlns:p14="http://schemas.microsoft.com/office/powerpoint/2010/main" val="2297401457"/>
       </p:ext>
     </p:extLst>
   </p:cSld>
@@ -2010,7 +2011,7 @@
           <p:cNvPr id="2" name="Title 1">
             <a:extLst>
               <a:ext uri="{FF2B5EF4-FFF2-40B4-BE49-F238E27FC236}">
-                <a16:creationId xmlns:a16="http://schemas.microsoft.com/office/drawing/2014/main" xmlns="" id="{13503CE9-A81A-C0F2-18A8-4373F3265EAE}"/>
+                <a16:creationId xmlns="" xmlns:a16="http://schemas.microsoft.com/office/drawing/2014/main" id="{13503CE9-A81A-C0F2-18A8-4373F3265EAE}"/>
               </a:ext>
             </a:extLst>
           </p:cNvPr>
@@ -2038,7 +2039,7 @@
           <p:cNvPr id="3" name="Date Placeholder 2">
             <a:extLst>
               <a:ext uri="{FF2B5EF4-FFF2-40B4-BE49-F238E27FC236}">
-                <a16:creationId xmlns:a16="http://schemas.microsoft.com/office/drawing/2014/main" xmlns="" id="{7864596E-14FC-84BA-D47B-E677B7CF18D5}"/>
+                <a16:creationId xmlns="" xmlns:a16="http://schemas.microsoft.com/office/drawing/2014/main" id="{7864596E-14FC-84BA-D47B-E677B7CF18D5}"/>
               </a:ext>
             </a:extLst>
           </p:cNvPr>
@@ -2057,7 +2058,7 @@
             <a:fld id="{4862FF9E-176D-4054-BBB8-3149401C51F7}" type="datetimeFigureOut">
               <a:rPr lang="en-GB" smtClean="0"/>
               <a:pPr/>
-              <a:t>26/06/2025</a:t>
+              <a:t>06/07/2025</a:t>
             </a:fld>
             <a:endParaRPr lang="en-GB"/>
           </a:p>
@@ -2068,7 +2069,7 @@
           <p:cNvPr id="4" name="Footer Placeholder 3">
             <a:extLst>
               <a:ext uri="{FF2B5EF4-FFF2-40B4-BE49-F238E27FC236}">
-                <a16:creationId xmlns:a16="http://schemas.microsoft.com/office/drawing/2014/main" xmlns="" id="{D18A3DF0-0B00-C87C-4B93-0EB9853020BC}"/>
+                <a16:creationId xmlns="" xmlns:a16="http://schemas.microsoft.com/office/drawing/2014/main" id="{D18A3DF0-0B00-C87C-4B93-0EB9853020BC}"/>
               </a:ext>
             </a:extLst>
           </p:cNvPr>
@@ -2093,7 +2094,7 @@
           <p:cNvPr id="5" name="Slide Number Placeholder 4">
             <a:extLst>
               <a:ext uri="{FF2B5EF4-FFF2-40B4-BE49-F238E27FC236}">
-                <a16:creationId xmlns:a16="http://schemas.microsoft.com/office/drawing/2014/main" xmlns="" id="{D29A98D0-5F24-F2AF-F6DF-2FBD7DCE3EBE}"/>
+                <a16:creationId xmlns="" xmlns:a16="http://schemas.microsoft.com/office/drawing/2014/main" id="{D29A98D0-5F24-F2AF-F6DF-2FBD7DCE3EBE}"/>
               </a:ext>
             </a:extLst>
           </p:cNvPr>
@@ -2121,7 +2122,7 @@
     </p:spTree>
     <p:extLst>
       <p:ext uri="{BB962C8B-B14F-4D97-AF65-F5344CB8AC3E}">
-        <p14:creationId xmlns:p14="http://schemas.microsoft.com/office/powerpoint/2010/main" xmlns="" val="1313069817"/>
+        <p14:creationId xmlns="" xmlns:p14="http://schemas.microsoft.com/office/powerpoint/2010/main" val="1313069817"/>
       </p:ext>
     </p:extLst>
   </p:cSld>
@@ -2153,7 +2154,7 @@
           <p:cNvPr id="2" name="Date Placeholder 1">
             <a:extLst>
               <a:ext uri="{FF2B5EF4-FFF2-40B4-BE49-F238E27FC236}">
-                <a16:creationId xmlns:a16="http://schemas.microsoft.com/office/drawing/2014/main" xmlns="" id="{E02E05A4-9F87-2893-401C-9FE63C86BFCB}"/>
+                <a16:creationId xmlns="" xmlns:a16="http://schemas.microsoft.com/office/drawing/2014/main" id="{E02E05A4-9F87-2893-401C-9FE63C86BFCB}"/>
               </a:ext>
             </a:extLst>
           </p:cNvPr>
@@ -2172,7 +2173,7 @@
             <a:fld id="{4862FF9E-176D-4054-BBB8-3149401C51F7}" type="datetimeFigureOut">
               <a:rPr lang="en-GB" smtClean="0"/>
               <a:pPr/>
-              <a:t>26/06/2025</a:t>
+              <a:t>06/07/2025</a:t>
             </a:fld>
             <a:endParaRPr lang="en-GB"/>
           </a:p>
@@ -2183,7 +2184,7 @@
           <p:cNvPr id="3" name="Footer Placeholder 2">
             <a:extLst>
               <a:ext uri="{FF2B5EF4-FFF2-40B4-BE49-F238E27FC236}">
-                <a16:creationId xmlns:a16="http://schemas.microsoft.com/office/drawing/2014/main" xmlns="" id="{22A31D88-AB79-CCD0-343F-59D873C6D07B}"/>
+                <a16:creationId xmlns="" xmlns:a16="http://schemas.microsoft.com/office/drawing/2014/main" id="{22A31D88-AB79-CCD0-343F-59D873C6D07B}"/>
               </a:ext>
             </a:extLst>
           </p:cNvPr>
@@ -2208,7 +2209,7 @@
           <p:cNvPr id="4" name="Slide Number Placeholder 3">
             <a:extLst>
               <a:ext uri="{FF2B5EF4-FFF2-40B4-BE49-F238E27FC236}">
-                <a16:creationId xmlns:a16="http://schemas.microsoft.com/office/drawing/2014/main" xmlns="" id="{0C86F72A-30D5-BB09-0510-CDE6556E019F}"/>
+                <a16:creationId xmlns="" xmlns:a16="http://schemas.microsoft.com/office/drawing/2014/main" id="{0C86F72A-30D5-BB09-0510-CDE6556E019F}"/>
               </a:ext>
             </a:extLst>
           </p:cNvPr>
@@ -2236,7 +2237,7 @@
     </p:spTree>
     <p:extLst>
       <p:ext uri="{BB962C8B-B14F-4D97-AF65-F5344CB8AC3E}">
-        <p14:creationId xmlns:p14="http://schemas.microsoft.com/office/powerpoint/2010/main" xmlns="" val="744898343"/>
+        <p14:creationId xmlns="" xmlns:p14="http://schemas.microsoft.com/office/powerpoint/2010/main" val="744898343"/>
       </p:ext>
     </p:extLst>
   </p:cSld>
@@ -2268,7 +2269,7 @@
           <p:cNvPr id="2" name="Title 1">
             <a:extLst>
               <a:ext uri="{FF2B5EF4-FFF2-40B4-BE49-F238E27FC236}">
-                <a16:creationId xmlns:a16="http://schemas.microsoft.com/office/drawing/2014/main" xmlns="" id="{FA1A3D6F-E1B4-2647-4B21-F9F7DC53A905}"/>
+                <a16:creationId xmlns="" xmlns:a16="http://schemas.microsoft.com/office/drawing/2014/main" id="{FA1A3D6F-E1B4-2647-4B21-F9F7DC53A905}"/>
               </a:ext>
             </a:extLst>
           </p:cNvPr>
@@ -2305,7 +2306,7 @@
           <p:cNvPr id="3" name="Content Placeholder 2">
             <a:extLst>
               <a:ext uri="{FF2B5EF4-FFF2-40B4-BE49-F238E27FC236}">
-                <a16:creationId xmlns:a16="http://schemas.microsoft.com/office/drawing/2014/main" xmlns="" id="{A90CF2EE-F97F-38FA-2907-0080CBF65455}"/>
+                <a16:creationId xmlns="" xmlns:a16="http://schemas.microsoft.com/office/drawing/2014/main" id="{A90CF2EE-F97F-38FA-2907-0080CBF65455}"/>
               </a:ext>
             </a:extLst>
           </p:cNvPr>
@@ -2395,7 +2396,7 @@
           <p:cNvPr id="4" name="Text Placeholder 3">
             <a:extLst>
               <a:ext uri="{FF2B5EF4-FFF2-40B4-BE49-F238E27FC236}">
-                <a16:creationId xmlns:a16="http://schemas.microsoft.com/office/drawing/2014/main" xmlns="" id="{768D1482-50AC-565C-198C-84AF24CA5D7A}"/>
+                <a16:creationId xmlns="" xmlns:a16="http://schemas.microsoft.com/office/drawing/2014/main" id="{768D1482-50AC-565C-198C-84AF24CA5D7A}"/>
               </a:ext>
             </a:extLst>
           </p:cNvPr>
@@ -2466,7 +2467,7 @@
           <p:cNvPr id="5" name="Date Placeholder 4">
             <a:extLst>
               <a:ext uri="{FF2B5EF4-FFF2-40B4-BE49-F238E27FC236}">
-                <a16:creationId xmlns:a16="http://schemas.microsoft.com/office/drawing/2014/main" xmlns="" id="{DF00D280-8CE2-A8B7-D4F3-198D719C0BED}"/>
+                <a16:creationId xmlns="" xmlns:a16="http://schemas.microsoft.com/office/drawing/2014/main" id="{DF00D280-8CE2-A8B7-D4F3-198D719C0BED}"/>
               </a:ext>
             </a:extLst>
           </p:cNvPr>
@@ -2485,7 +2486,7 @@
             <a:fld id="{4862FF9E-176D-4054-BBB8-3149401C51F7}" type="datetimeFigureOut">
               <a:rPr lang="en-GB" smtClean="0"/>
               <a:pPr/>
-              <a:t>26/06/2025</a:t>
+              <a:t>06/07/2025</a:t>
             </a:fld>
             <a:endParaRPr lang="en-GB"/>
           </a:p>
@@ -2496,7 +2497,7 @@
           <p:cNvPr id="6" name="Footer Placeholder 5">
             <a:extLst>
               <a:ext uri="{FF2B5EF4-FFF2-40B4-BE49-F238E27FC236}">
-                <a16:creationId xmlns:a16="http://schemas.microsoft.com/office/drawing/2014/main" xmlns="" id="{2D35FFA5-752B-C964-B5A4-AE83B2B47D18}"/>
+                <a16:creationId xmlns="" xmlns:a16="http://schemas.microsoft.com/office/drawing/2014/main" id="{2D35FFA5-752B-C964-B5A4-AE83B2B47D18}"/>
               </a:ext>
             </a:extLst>
           </p:cNvPr>
@@ -2521,7 +2522,7 @@
           <p:cNvPr id="7" name="Slide Number Placeholder 6">
             <a:extLst>
               <a:ext uri="{FF2B5EF4-FFF2-40B4-BE49-F238E27FC236}">
-                <a16:creationId xmlns:a16="http://schemas.microsoft.com/office/drawing/2014/main" xmlns="" id="{7333A22B-4B54-060F-9F36-B6B0AF14070C}"/>
+                <a16:creationId xmlns="" xmlns:a16="http://schemas.microsoft.com/office/drawing/2014/main" id="{7333A22B-4B54-060F-9F36-B6B0AF14070C}"/>
               </a:ext>
             </a:extLst>
           </p:cNvPr>
@@ -2549,7 +2550,7 @@
     </p:spTree>
     <p:extLst>
       <p:ext uri="{BB962C8B-B14F-4D97-AF65-F5344CB8AC3E}">
-        <p14:creationId xmlns:p14="http://schemas.microsoft.com/office/powerpoint/2010/main" xmlns="" val="573995572"/>
+        <p14:creationId xmlns="" xmlns:p14="http://schemas.microsoft.com/office/powerpoint/2010/main" val="573995572"/>
       </p:ext>
     </p:extLst>
   </p:cSld>
@@ -2581,7 +2582,7 @@
           <p:cNvPr id="2" name="Title 1">
             <a:extLst>
               <a:ext uri="{FF2B5EF4-FFF2-40B4-BE49-F238E27FC236}">
-                <a16:creationId xmlns:a16="http://schemas.microsoft.com/office/drawing/2014/main" xmlns="" id="{27A27798-DAC6-7874-6854-47D84E453423}"/>
+                <a16:creationId xmlns="" xmlns:a16="http://schemas.microsoft.com/office/drawing/2014/main" id="{27A27798-DAC6-7874-6854-47D84E453423}"/>
               </a:ext>
             </a:extLst>
           </p:cNvPr>
@@ -2618,7 +2619,7 @@
           <p:cNvPr id="3" name="Picture Placeholder 2">
             <a:extLst>
               <a:ext uri="{FF2B5EF4-FFF2-40B4-BE49-F238E27FC236}">
-                <a16:creationId xmlns:a16="http://schemas.microsoft.com/office/drawing/2014/main" xmlns="" id="{DB3142F1-7CE8-D612-8923-64D4F3988CA1}"/>
+                <a16:creationId xmlns="" xmlns:a16="http://schemas.microsoft.com/office/drawing/2014/main" id="{DB3142F1-7CE8-D612-8923-64D4F3988CA1}"/>
               </a:ext>
             </a:extLst>
           </p:cNvPr>
@@ -2685,7 +2686,7 @@
           <p:cNvPr id="4" name="Text Placeholder 3">
             <a:extLst>
               <a:ext uri="{FF2B5EF4-FFF2-40B4-BE49-F238E27FC236}">
-                <a16:creationId xmlns:a16="http://schemas.microsoft.com/office/drawing/2014/main" xmlns="" id="{7F9FC27B-6594-38EF-B91F-DE1BC481CD68}"/>
+                <a16:creationId xmlns="" xmlns:a16="http://schemas.microsoft.com/office/drawing/2014/main" id="{7F9FC27B-6594-38EF-B91F-DE1BC481CD68}"/>
               </a:ext>
             </a:extLst>
           </p:cNvPr>
@@ -2756,7 +2757,7 @@
           <p:cNvPr id="5" name="Date Placeholder 4">
             <a:extLst>
               <a:ext uri="{FF2B5EF4-FFF2-40B4-BE49-F238E27FC236}">
-                <a16:creationId xmlns:a16="http://schemas.microsoft.com/office/drawing/2014/main" xmlns="" id="{B394356C-C211-2476-A906-A3339DE40F4C}"/>
+                <a16:creationId xmlns="" xmlns:a16="http://schemas.microsoft.com/office/drawing/2014/main" id="{B394356C-C211-2476-A906-A3339DE40F4C}"/>
               </a:ext>
             </a:extLst>
           </p:cNvPr>
@@ -2775,7 +2776,7 @@
             <a:fld id="{4862FF9E-176D-4054-BBB8-3149401C51F7}" type="datetimeFigureOut">
               <a:rPr lang="en-GB" smtClean="0"/>
               <a:pPr/>
-              <a:t>26/06/2025</a:t>
+              <a:t>06/07/2025</a:t>
             </a:fld>
             <a:endParaRPr lang="en-GB"/>
           </a:p>
@@ -2786,7 +2787,7 @@
           <p:cNvPr id="6" name="Footer Placeholder 5">
             <a:extLst>
               <a:ext uri="{FF2B5EF4-FFF2-40B4-BE49-F238E27FC236}">
-                <a16:creationId xmlns:a16="http://schemas.microsoft.com/office/drawing/2014/main" xmlns="" id="{3FA29EA5-12E9-8DFD-E149-912523390FED}"/>
+                <a16:creationId xmlns="" xmlns:a16="http://schemas.microsoft.com/office/drawing/2014/main" id="{3FA29EA5-12E9-8DFD-E149-912523390FED}"/>
               </a:ext>
             </a:extLst>
           </p:cNvPr>
@@ -2811,7 +2812,7 @@
           <p:cNvPr id="7" name="Slide Number Placeholder 6">
             <a:extLst>
               <a:ext uri="{FF2B5EF4-FFF2-40B4-BE49-F238E27FC236}">
-                <a16:creationId xmlns:a16="http://schemas.microsoft.com/office/drawing/2014/main" xmlns="" id="{D5AEC20B-32A4-0D9F-8654-1D7186F5A0B7}"/>
+                <a16:creationId xmlns="" xmlns:a16="http://schemas.microsoft.com/office/drawing/2014/main" id="{D5AEC20B-32A4-0D9F-8654-1D7186F5A0B7}"/>
               </a:ext>
             </a:extLst>
           </p:cNvPr>
@@ -2839,7 +2840,7 @@
     </p:spTree>
     <p:extLst>
       <p:ext uri="{BB962C8B-B14F-4D97-AF65-F5344CB8AC3E}">
-        <p14:creationId xmlns:p14="http://schemas.microsoft.com/office/powerpoint/2010/main" xmlns="" val="3092379805"/>
+        <p14:creationId xmlns="" xmlns:p14="http://schemas.microsoft.com/office/powerpoint/2010/main" val="3092379805"/>
       </p:ext>
     </p:extLst>
   </p:cSld>
@@ -2876,7 +2877,7 @@
           <p:cNvPr id="2" name="Title Placeholder 1">
             <a:extLst>
               <a:ext uri="{FF2B5EF4-FFF2-40B4-BE49-F238E27FC236}">
-                <a16:creationId xmlns:a16="http://schemas.microsoft.com/office/drawing/2014/main" xmlns="" id="{C28913E9-C644-832F-296C-03F221D551B9}"/>
+                <a16:creationId xmlns="" xmlns:a16="http://schemas.microsoft.com/office/drawing/2014/main" id="{C28913E9-C644-832F-296C-03F221D551B9}"/>
               </a:ext>
             </a:extLst>
           </p:cNvPr>
@@ -2914,7 +2915,7 @@
           <p:cNvPr id="3" name="Text Placeholder 2">
             <a:extLst>
               <a:ext uri="{FF2B5EF4-FFF2-40B4-BE49-F238E27FC236}">
-                <a16:creationId xmlns:a16="http://schemas.microsoft.com/office/drawing/2014/main" xmlns="" id="{49092515-8776-3B20-8A3C-E359859D20FE}"/>
+                <a16:creationId xmlns="" xmlns:a16="http://schemas.microsoft.com/office/drawing/2014/main" id="{49092515-8776-3B20-8A3C-E359859D20FE}"/>
               </a:ext>
             </a:extLst>
           </p:cNvPr>
@@ -2981,7 +2982,7 @@
           <p:cNvPr id="4" name="Date Placeholder 3">
             <a:extLst>
               <a:ext uri="{FF2B5EF4-FFF2-40B4-BE49-F238E27FC236}">
-                <a16:creationId xmlns:a16="http://schemas.microsoft.com/office/drawing/2014/main" xmlns="" id="{56EA874B-2B55-75E1-3AAE-B1351C51B77B}"/>
+                <a16:creationId xmlns="" xmlns:a16="http://schemas.microsoft.com/office/drawing/2014/main" id="{56EA874B-2B55-75E1-3AAE-B1351C51B77B}"/>
               </a:ext>
             </a:extLst>
           </p:cNvPr>
@@ -3018,7 +3019,7 @@
             <a:fld id="{4862FF9E-176D-4054-BBB8-3149401C51F7}" type="datetimeFigureOut">
               <a:rPr lang="en-GB" smtClean="0"/>
               <a:pPr/>
-              <a:t>26/06/2025</a:t>
+              <a:t>06/07/2025</a:t>
             </a:fld>
             <a:endParaRPr lang="en-GB"/>
           </a:p>
@@ -3029,7 +3030,7 @@
           <p:cNvPr id="5" name="Footer Placeholder 4">
             <a:extLst>
               <a:ext uri="{FF2B5EF4-FFF2-40B4-BE49-F238E27FC236}">
-                <a16:creationId xmlns:a16="http://schemas.microsoft.com/office/drawing/2014/main" xmlns="" id="{11E408DA-4A59-0714-E128-76A384DD7BB4}"/>
+                <a16:creationId xmlns="" xmlns:a16="http://schemas.microsoft.com/office/drawing/2014/main" id="{11E408DA-4A59-0714-E128-76A384DD7BB4}"/>
               </a:ext>
             </a:extLst>
           </p:cNvPr>
@@ -3072,7 +3073,7 @@
           <p:cNvPr id="6" name="Slide Number Placeholder 5">
             <a:extLst>
               <a:ext uri="{FF2B5EF4-FFF2-40B4-BE49-F238E27FC236}">
-                <a16:creationId xmlns:a16="http://schemas.microsoft.com/office/drawing/2014/main" xmlns="" id="{7C2525D6-709F-F0A7-B123-A7082403151D}"/>
+                <a16:creationId xmlns="" xmlns:a16="http://schemas.microsoft.com/office/drawing/2014/main" id="{7C2525D6-709F-F0A7-B123-A7082403151D}"/>
               </a:ext>
             </a:extLst>
           </p:cNvPr>
@@ -3120,7 +3121,7 @@
           <p:cNvPr id="8" name="TextBox 7">
             <a:extLst>
               <a:ext uri="{FF2B5EF4-FFF2-40B4-BE49-F238E27FC236}">
-                <a16:creationId xmlns:a16="http://schemas.microsoft.com/office/drawing/2014/main" xmlns="" id="{0AA4291E-02D9-BCA5-C14C-55E48017A1BA}"/>
+                <a16:creationId xmlns="" xmlns:a16="http://schemas.microsoft.com/office/drawing/2014/main" id="{0AA4291E-02D9-BCA5-C14C-55E48017A1BA}"/>
               </a:ext>
             </a:extLst>
           </p:cNvPr>
@@ -3128,7 +3129,7 @@
           <p:nvPr userDrawn="1">
             <p:extLst>
               <p:ext uri="{1162E1C5-73C7-4A58-AE30-91384D911F3F}">
-                <p184:classification xmlns:p184="http://schemas.microsoft.com/office/powerpoint/2018/4/main" xmlns="" val="hdr"/>
+                <p184:classification xmlns="" xmlns:p184="http://schemas.microsoft.com/office/powerpoint/2018/4/main" val="hdr"/>
               </p:ext>
             </p:extLst>
           </p:nvPr>
@@ -3166,7 +3167,7 @@
     </p:spTree>
     <p:extLst>
       <p:ext uri="{BB962C8B-B14F-4D97-AF65-F5344CB8AC3E}">
-        <p14:creationId xmlns:p14="http://schemas.microsoft.com/office/powerpoint/2010/main" xmlns="" val="3217321324"/>
+        <p14:creationId xmlns="" xmlns:p14="http://schemas.microsoft.com/office/powerpoint/2010/main" val="3217321324"/>
       </p:ext>
     </p:extLst>
   </p:cSld>
@@ -3489,7 +3490,7 @@
           <p:cNvPr id="1026" name="Picture 2" descr="Sikhism religious symbol black and ...">
             <a:extLst>
               <a:ext uri="{FF2B5EF4-FFF2-40B4-BE49-F238E27FC236}">
-                <a16:creationId xmlns:a16="http://schemas.microsoft.com/office/drawing/2014/main" xmlns="" id="{15FA5003-5F01-5EC3-65A8-C842686878D7}"/>
+                <a16:creationId xmlns="" xmlns:a16="http://schemas.microsoft.com/office/drawing/2014/main" id="{15FA5003-5F01-5EC3-65A8-C842686878D7}"/>
               </a:ext>
             </a:extLst>
           </p:cNvPr>
@@ -3502,7 +3503,7 @@
           <a:blip r:embed="rId2">
             <a:extLst>
               <a:ext uri="{28A0092B-C50C-407E-A947-70E740481C1C}">
-                <a14:useLocalDpi xmlns:a14="http://schemas.microsoft.com/office/drawing/2010/main" xmlns="" val="0"/>
+                <a14:useLocalDpi xmlns="" xmlns:a14="http://schemas.microsoft.com/office/drawing/2010/main" val="0"/>
               </a:ext>
             </a:extLst>
           </a:blip>
@@ -3522,7 +3523,7 @@
           <a:noFill/>
           <a:extLst>
             <a:ext uri="{909E8E84-426E-40DD-AFC4-6F175D3DCCD1}">
-              <a14:hiddenFill xmlns:a14="http://schemas.microsoft.com/office/drawing/2010/main" xmlns="">
+              <a14:hiddenFill xmlns="" xmlns:a14="http://schemas.microsoft.com/office/drawing/2010/main">
                 <a:solidFill>
                   <a:srgbClr val="FFFFFF"/>
                 </a:solidFill>
@@ -3536,7 +3537,7 @@
           <p:cNvPr id="4" name="TextBox 3">
             <a:extLst>
               <a:ext uri="{FF2B5EF4-FFF2-40B4-BE49-F238E27FC236}">
-                <a16:creationId xmlns:a16="http://schemas.microsoft.com/office/drawing/2014/main" xmlns="" id="{4F682371-FBAD-1319-273E-24FE661829F8}"/>
+                <a16:creationId xmlns="" xmlns:a16="http://schemas.microsoft.com/office/drawing/2014/main" id="{4F682371-FBAD-1319-273E-24FE661829F8}"/>
               </a:ext>
             </a:extLst>
           </p:cNvPr>
@@ -3589,7 +3590,7 @@
           <p:cNvPr id="2" name="Picture 2" descr="Gurudwara Stock Illustrations – 226 Gurudwara Stock Illustrations, Vectors  &amp; Clipart - Dreamstime">
             <a:extLst>
               <a:ext uri="{FF2B5EF4-FFF2-40B4-BE49-F238E27FC236}">
-                <a16:creationId xmlns:a16="http://schemas.microsoft.com/office/drawing/2014/main" xmlns="" id="{B105BCA0-ED7E-B5C3-8ACB-23FFD9C55D9C}"/>
+                <a16:creationId xmlns="" xmlns:a16="http://schemas.microsoft.com/office/drawing/2014/main" id="{B105BCA0-ED7E-B5C3-8ACB-23FFD9C55D9C}"/>
               </a:ext>
             </a:extLst>
           </p:cNvPr>
@@ -3603,7 +3604,7 @@
             <a:alphaModFix/>
             <a:extLst>
               <a:ext uri="{BEBA8EAE-BF5A-486C-A8C5-ECC9F3942E4B}">
-                <a14:imgProps xmlns:a14="http://schemas.microsoft.com/office/drawing/2010/main" xmlns="">
+                <a14:imgProps xmlns="" xmlns:a14="http://schemas.microsoft.com/office/drawing/2010/main">
                   <a14:imgLayer r:embed="rId4">
                     <a14:imgEffect>
                       <a14:sharpenSoften amount="100000"/>
@@ -3621,7 +3622,7 @@
                 </a14:imgProps>
               </a:ext>
               <a:ext uri="{28A0092B-C50C-407E-A947-70E740481C1C}">
-                <a14:useLocalDpi xmlns:a14="http://schemas.microsoft.com/office/drawing/2010/main" xmlns="" val="0"/>
+                <a14:useLocalDpi xmlns="" xmlns:a14="http://schemas.microsoft.com/office/drawing/2010/main" val="0"/>
               </a:ext>
             </a:extLst>
           </a:blip>
@@ -3639,7 +3640,7 @@
           <a:noFill/>
           <a:extLst>
             <a:ext uri="{909E8E84-426E-40DD-AFC4-6F175D3DCCD1}">
-              <a14:hiddenFill xmlns:a14="http://schemas.microsoft.com/office/drawing/2010/main" xmlns="">
+              <a14:hiddenFill xmlns="" xmlns:a14="http://schemas.microsoft.com/office/drawing/2010/main">
                 <a:solidFill>
                   <a:srgbClr val="FFFFFF"/>
                 </a:solidFill>
@@ -3653,7 +3654,7 @@
           <p:cNvPr id="3" name="Rectangle 2">
             <a:extLst>
               <a:ext uri="{FF2B5EF4-FFF2-40B4-BE49-F238E27FC236}">
-                <a16:creationId xmlns:a16="http://schemas.microsoft.com/office/drawing/2014/main" xmlns="" id="{40D0C218-81B6-E0A1-4692-BAC75CBCB6C4}"/>
+                <a16:creationId xmlns="" xmlns:a16="http://schemas.microsoft.com/office/drawing/2014/main" id="{40D0C218-81B6-E0A1-4692-BAC75CBCB6C4}"/>
               </a:ext>
             </a:extLst>
           </p:cNvPr>
@@ -3700,7 +3701,7 @@
           <p:cNvPr id="5" name="TextBox 4">
             <a:extLst>
               <a:ext uri="{FF2B5EF4-FFF2-40B4-BE49-F238E27FC236}">
-                <a16:creationId xmlns:a16="http://schemas.microsoft.com/office/drawing/2014/main" xmlns="" id="{6E2E47A3-168B-A0FA-9912-C6351CFAB6F7}"/>
+                <a16:creationId xmlns="" xmlns:a16="http://schemas.microsoft.com/office/drawing/2014/main" id="{6E2E47A3-168B-A0FA-9912-C6351CFAB6F7}"/>
               </a:ext>
             </a:extLst>
           </p:cNvPr>
@@ -3753,7 +3754,7 @@
           <p:cNvPr id="7" name="Rectangle 6">
             <a:extLst>
               <a:ext uri="{FF2B5EF4-FFF2-40B4-BE49-F238E27FC236}">
-                <a16:creationId xmlns:a16="http://schemas.microsoft.com/office/drawing/2014/main" xmlns="" id="{40D0C218-81B6-E0A1-4692-BAC75CBCB6C4}"/>
+                <a16:creationId xmlns="" xmlns:a16="http://schemas.microsoft.com/office/drawing/2014/main" id="{40D0C218-81B6-E0A1-4692-BAC75CBCB6C4}"/>
               </a:ext>
             </a:extLst>
           </p:cNvPr>
@@ -3798,7 +3799,7 @@
     </p:spTree>
     <p:extLst>
       <p:ext uri="{BB962C8B-B14F-4D97-AF65-F5344CB8AC3E}">
-        <p14:creationId xmlns:p14="http://schemas.microsoft.com/office/powerpoint/2010/main" xmlns="" val="1763828946"/>
+        <p14:creationId xmlns="" xmlns:p14="http://schemas.microsoft.com/office/powerpoint/2010/main" val="1763828946"/>
       </p:ext>
     </p:extLst>
   </p:cSld>
@@ -3968,6 +3969,57 @@
           </a:p>
         </p:txBody>
       </p:sp>
+    </p:spTree>
+  </p:cSld>
+  <p:clrMapOvr>
+    <a:masterClrMapping/>
+  </p:clrMapOvr>
+</p:sld>
+</file>
+
+<file path=ppt/slides/slide3.xml><?xml version="1.0" encoding="utf-8"?>
+<p:sld xmlns:a="http://schemas.openxmlformats.org/drawingml/2006/main" xmlns:r="http://schemas.openxmlformats.org/officeDocument/2006/relationships" xmlns:p="http://schemas.openxmlformats.org/presentationml/2006/main">
+  <p:cSld>
+    <p:spTree>
+      <p:nvGrpSpPr>
+        <p:cNvPr id="1" name=""/>
+        <p:cNvGrpSpPr/>
+        <p:nvPr/>
+      </p:nvGrpSpPr>
+      <p:grpSpPr>
+        <a:xfrm>
+          <a:off x="0" y="0"/>
+          <a:ext cx="0" cy="0"/>
+          <a:chOff x="0" y="0"/>
+          <a:chExt cx="0" cy="0"/>
+        </a:xfrm>
+      </p:grpSpPr>
+      <p:pic>
+        <p:nvPicPr>
+          <p:cNvPr id="1026" name="Picture 2" descr="C:\Users\Hp\Desktop\SikhsinUAE\pictures\12_SikhsinUAE\Sikh.png"/>
+          <p:cNvPicPr>
+            <a:picLocks noChangeAspect="1" noChangeArrowheads="1"/>
+          </p:cNvPicPr>
+          <p:nvPr/>
+        </p:nvPicPr>
+        <p:blipFill>
+          <a:blip r:embed="rId2"/>
+          <a:srcRect l="21268" t="13742" r="20542" b="13003"/>
+          <a:stretch>
+            <a:fillRect/>
+          </a:stretch>
+        </p:blipFill>
+        <p:spPr bwMode="auto">
+          <a:xfrm>
+            <a:off x="1012874" y="1885071"/>
+            <a:ext cx="2771335" cy="3488787"/>
+          </a:xfrm>
+          <a:prstGeom prst="rect">
+            <a:avLst/>
+          </a:prstGeom>
+          <a:noFill/>
+        </p:spPr>
+      </p:pic>
     </p:spTree>
   </p:cSld>
   <p:clrMapOvr>
@@ -4285,7 +4337,7 @@
   <a:extraClrSchemeLst/>
   <a:extLst>
     <a:ext uri="{05A4C25C-085E-4340-85A3-A5531E510DB2}">
-      <thm15:themeFamily xmlns:thm15="http://schemas.microsoft.com/office/thememl/2012/main" xmlns="" name="Office Theme" id="{2E142A2C-CD16-42D6-873A-C26D2A0506FA}" vid="{1BDDFF52-6CD6-40A5-AB3C-68EB2F1E4D0A}"/>
+      <thm15:themeFamily xmlns="" xmlns:thm15="http://schemas.microsoft.com/office/thememl/2012/main" name="Office Theme" id="{2E142A2C-CD16-42D6-873A-C26D2A0506FA}" vid="{1BDDFF52-6CD6-40A5-AB3C-68EB2F1E4D0A}"/>
     </a:ext>
   </a:extLst>
 </a:theme>

--- a/48_Information/Buttons.pptx
+++ b/48_Information/Buttons.pptx
@@ -8,6 +8,7 @@
     <p:sldId id="256" r:id="rId2"/>
     <p:sldId id="257" r:id="rId3"/>
     <p:sldId id="258" r:id="rId4"/>
+    <p:sldId id="259" r:id="rId5"/>
   </p:sldIdLst>
   <p:sldSz cx="12192000" cy="6858000"/>
   <p:notesSz cx="6858000" cy="9144000"/>
@@ -3796,6 +3797,192 @@
           </a:p>
         </p:txBody>
       </p:sp>
+      <p:pic>
+        <p:nvPicPr>
+          <p:cNvPr id="2050" name="Picture 2"/>
+          <p:cNvPicPr>
+            <a:picLocks noChangeAspect="1" noChangeArrowheads="1"/>
+          </p:cNvPicPr>
+          <p:nvPr/>
+        </p:nvPicPr>
+        <p:blipFill>
+          <a:blip r:embed="rId5"/>
+          <a:srcRect/>
+          <a:stretch>
+            <a:fillRect/>
+          </a:stretch>
+        </p:blipFill>
+        <p:spPr bwMode="auto">
+          <a:xfrm>
+            <a:off x="8321089" y="1570990"/>
+            <a:ext cx="2333625" cy="2990850"/>
+          </a:xfrm>
+          <a:prstGeom prst="rect">
+            <a:avLst/>
+          </a:prstGeom>
+          <a:noFill/>
+          <a:ln w="9525">
+            <a:noFill/>
+            <a:miter lim="800000"/>
+            <a:headEnd/>
+            <a:tailEnd/>
+          </a:ln>
+          <a:effectLst/>
+        </p:spPr>
+      </p:pic>
+      <p:sp>
+        <p:nvSpPr>
+          <p:cNvPr id="10" name="TextBox 9">
+            <a:extLst>
+              <a:ext uri="{FF2B5EF4-FFF2-40B4-BE49-F238E27FC236}">
+                <a16:creationId xmlns="" xmlns:a16="http://schemas.microsoft.com/office/drawing/2014/main" id="{4F682371-FBAD-1319-273E-24FE661829F8}"/>
+              </a:ext>
+            </a:extLst>
+          </p:cNvPr>
+          <p:cNvSpPr txBox="1"/>
+          <p:nvPr/>
+        </p:nvSpPr>
+        <p:spPr>
+          <a:xfrm>
+            <a:off x="3615397" y="4754880"/>
+            <a:ext cx="2743200" cy="1569660"/>
+          </a:xfrm>
+          <a:prstGeom prst="rect">
+            <a:avLst/>
+          </a:prstGeom>
+          <a:noFill/>
+        </p:spPr>
+        <p:txBody>
+          <a:bodyPr wrap="square" rtlCol="0">
+            <a:spAutoFit/>
+          </a:bodyPr>
+          <a:lstStyle/>
+          <a:p>
+            <a:pPr algn="ctr"/>
+            <a:r>
+              <a:rPr lang="en-US" sz="3200" b="1" dirty="0" smtClean="0">
+                <a:solidFill>
+                  <a:srgbClr val="C00000"/>
+                </a:solidFill>
+                <a:latin typeface="Century Gothic" panose="020B0502020202020204" pitchFamily="34" charset="0"/>
+              </a:rPr>
+              <a:t>Sikh Professionals in UAE</a:t>
+            </a:r>
+            <a:endParaRPr lang="en-GB" sz="3200" b="1" dirty="0">
+              <a:solidFill>
+                <a:srgbClr val="C00000"/>
+              </a:solidFill>
+              <a:latin typeface="Century Gothic" panose="020B0502020202020204" pitchFamily="34" charset="0"/>
+            </a:endParaRPr>
+          </a:p>
+        </p:txBody>
+      </p:sp>
+      <p:sp>
+        <p:nvSpPr>
+          <p:cNvPr id="11" name="Rectangle 10">
+            <a:extLst>
+              <a:ext uri="{FF2B5EF4-FFF2-40B4-BE49-F238E27FC236}">
+                <a16:creationId xmlns="" xmlns:a16="http://schemas.microsoft.com/office/drawing/2014/main" id="{40D0C218-81B6-E0A1-4692-BAC75CBCB6C4}"/>
+              </a:ext>
+            </a:extLst>
+          </p:cNvPr>
+          <p:cNvSpPr/>
+          <p:nvPr/>
+        </p:nvSpPr>
+        <p:spPr>
+          <a:xfrm>
+            <a:off x="1853827" y="4717629"/>
+            <a:ext cx="4572000" cy="1613042"/>
+          </a:xfrm>
+          <a:prstGeom prst="rect">
+            <a:avLst/>
+          </a:prstGeom>
+          <a:noFill/>
+        </p:spPr>
+        <p:style>
+          <a:lnRef idx="2">
+            <a:schemeClr val="accent1">
+              <a:shade val="15000"/>
+            </a:schemeClr>
+          </a:lnRef>
+          <a:fillRef idx="1">
+            <a:schemeClr val="accent1"/>
+          </a:fillRef>
+          <a:effectRef idx="0">
+            <a:schemeClr val="accent1"/>
+          </a:effectRef>
+          <a:fontRef idx="minor">
+            <a:schemeClr val="lt1"/>
+          </a:fontRef>
+        </p:style>
+        <p:txBody>
+          <a:bodyPr rtlCol="0" anchor="ctr"/>
+          <a:lstStyle/>
+          <a:p>
+            <a:pPr algn="ctr"/>
+            <a:endParaRPr lang="en-GB"/>
+          </a:p>
+        </p:txBody>
+      </p:sp>
+      <p:pic>
+        <p:nvPicPr>
+          <p:cNvPr id="12" name="Picture 4"/>
+          <p:cNvPicPr>
+            <a:picLocks noChangeAspect="1" noChangeArrowheads="1"/>
+          </p:cNvPicPr>
+          <p:nvPr/>
+        </p:nvPicPr>
+        <p:blipFill>
+          <a:blip r:embed="rId6" cstate="print"/>
+          <a:srcRect l="12356" t="4262" r="5976"/>
+          <a:stretch>
+            <a:fillRect/>
+          </a:stretch>
+        </p:blipFill>
+        <p:spPr bwMode="auto">
+          <a:xfrm>
+            <a:off x="1884045" y="4824413"/>
+            <a:ext cx="1002030" cy="1376362"/>
+          </a:xfrm>
+          <a:prstGeom prst="rect">
+            <a:avLst/>
+          </a:prstGeom>
+          <a:noFill/>
+          <a:ln w="9525">
+            <a:noFill/>
+            <a:miter lim="800000"/>
+            <a:headEnd/>
+            <a:tailEnd/>
+          </a:ln>
+          <a:effectLst/>
+        </p:spPr>
+      </p:pic>
+      <p:pic>
+        <p:nvPicPr>
+          <p:cNvPr id="13" name="Picture 5" descr="C:\Users\Hp\Downloads\ms-saluja-final-sikh-girl-1-copy-removebg-preview.png"/>
+          <p:cNvPicPr>
+            <a:picLocks noChangeAspect="1" noChangeArrowheads="1"/>
+          </p:cNvPicPr>
+          <p:nvPr/>
+        </p:nvPicPr>
+        <p:blipFill>
+          <a:blip r:embed="rId7" cstate="print"/>
+          <a:srcRect/>
+          <a:stretch>
+            <a:fillRect/>
+          </a:stretch>
+        </p:blipFill>
+        <p:spPr bwMode="auto">
+          <a:xfrm>
+            <a:off x="2765330" y="4849856"/>
+            <a:ext cx="1163733" cy="1331869"/>
+          </a:xfrm>
+          <a:prstGeom prst="rect">
+            <a:avLst/>
+          </a:prstGeom>
+          <a:noFill/>
+        </p:spPr>
+      </p:pic>
     </p:spTree>
     <p:extLst>
       <p:ext uri="{BB962C8B-B14F-4D97-AF65-F5344CB8AC3E}">
@@ -3806,6 +3993,13 @@
   <p:clrMapOvr>
     <a:masterClrMapping/>
   </p:clrMapOvr>
+  <p:timing>
+    <p:tnLst>
+      <p:par>
+        <p:cTn id="1" dur="indefinite" restart="never" nodeType="tmRoot"/>
+      </p:par>
+    </p:tnLst>
+  </p:timing>
 </p:sld>
 </file>
 
@@ -3974,6 +4168,13 @@
   <p:clrMapOvr>
     <a:masterClrMapping/>
   </p:clrMapOvr>
+  <p:timing>
+    <p:tnLst>
+      <p:par>
+        <p:cTn id="1" dur="indefinite" restart="never" nodeType="tmRoot"/>
+      </p:par>
+    </p:tnLst>
+  </p:timing>
 </p:sld>
 </file>
 
@@ -3994,6 +4195,66 @@
           <a:chExt cx="0" cy="0"/>
         </a:xfrm>
       </p:grpSpPr>
+      <p:sp>
+        <p:nvSpPr>
+          <p:cNvPr id="5" name="Rectangle 4"/>
+          <p:cNvSpPr/>
+          <p:nvPr/>
+        </p:nvSpPr>
+        <p:spPr>
+          <a:xfrm>
+            <a:off x="0" y="2658794"/>
+            <a:ext cx="12192000" cy="1631852"/>
+          </a:xfrm>
+          <a:prstGeom prst="rect">
+            <a:avLst/>
+          </a:prstGeom>
+          <a:solidFill>
+            <a:srgbClr val="FF9933"/>
+          </a:solidFill>
+          <a:ln>
+            <a:noFill/>
+          </a:ln>
+        </p:spPr>
+        <p:style>
+          <a:lnRef idx="2">
+            <a:schemeClr val="accent1">
+              <a:shade val="50000"/>
+            </a:schemeClr>
+          </a:lnRef>
+          <a:fillRef idx="1">
+            <a:schemeClr val="accent1"/>
+          </a:fillRef>
+          <a:effectRef idx="0">
+            <a:schemeClr val="accent1"/>
+          </a:effectRef>
+          <a:fontRef idx="minor">
+            <a:schemeClr val="lt1"/>
+          </a:fontRef>
+        </p:style>
+        <p:txBody>
+          <a:bodyPr rtlCol="0" anchor="ctr"/>
+          <a:lstStyle/>
+          <a:p>
+            <a:pPr algn="ctr"/>
+            <a:r>
+              <a:rPr lang="en-IN" sz="6600" b="1" dirty="0" smtClean="0">
+                <a:solidFill>
+                  <a:schemeClr val="tx1"/>
+                </a:solidFill>
+                <a:latin typeface="Century Gothic" pitchFamily="34" charset="0"/>
+              </a:rPr>
+              <a:t>Sikhs in UAE</a:t>
+            </a:r>
+            <a:endParaRPr lang="en-US" sz="6600" b="1" dirty="0">
+              <a:solidFill>
+                <a:schemeClr val="tx1"/>
+              </a:solidFill>
+              <a:latin typeface="Century Gothic" pitchFamily="34" charset="0"/>
+            </a:endParaRPr>
+          </a:p>
+        </p:txBody>
+      </p:sp>
       <p:pic>
         <p:nvPicPr>
           <p:cNvPr id="1026" name="Picture 2" descr="C:\Users\Hp\Desktop\SikhsinUAE\pictures\12_SikhsinUAE\Sikh.png"/>
@@ -4003,7 +4264,7 @@
           <p:nvPr/>
         </p:nvPicPr>
         <p:blipFill>
-          <a:blip r:embed="rId2"/>
+          <a:blip r:embed="rId2" cstate="print"/>
           <a:srcRect l="21268" t="13742" r="20542" b="13003"/>
           <a:stretch>
             <a:fillRect/>
@@ -4011,8 +4272,158 @@
         </p:blipFill>
         <p:spPr bwMode="auto">
           <a:xfrm>
-            <a:off x="1012874" y="1885071"/>
-            <a:ext cx="2771335" cy="3488787"/>
+            <a:off x="10058401" y="2805076"/>
+            <a:ext cx="1167618" cy="1469895"/>
+          </a:xfrm>
+          <a:prstGeom prst="rect">
+            <a:avLst/>
+          </a:prstGeom>
+          <a:noFill/>
+        </p:spPr>
+      </p:pic>
+      <p:pic>
+        <p:nvPicPr>
+          <p:cNvPr id="1027" name="Picture 3" descr="C:\Users\Hp\Desktop\SikhsinUAE\pictures\00_Index\Khanda.png"/>
+          <p:cNvPicPr>
+            <a:picLocks noChangeAspect="1" noChangeArrowheads="1"/>
+          </p:cNvPicPr>
+          <p:nvPr/>
+        </p:nvPicPr>
+        <p:blipFill>
+          <a:blip r:embed="rId3"/>
+          <a:srcRect/>
+          <a:stretch>
+            <a:fillRect/>
+          </a:stretch>
+        </p:blipFill>
+        <p:spPr bwMode="auto">
+          <a:xfrm>
+            <a:off x="689319" y="2686928"/>
+            <a:ext cx="1589648" cy="1555579"/>
+          </a:xfrm>
+          <a:prstGeom prst="rect">
+            <a:avLst/>
+          </a:prstGeom>
+          <a:noFill/>
+        </p:spPr>
+      </p:pic>
+      <p:pic>
+        <p:nvPicPr>
+          <p:cNvPr id="1028" name="Picture 4"/>
+          <p:cNvPicPr>
+            <a:picLocks noChangeAspect="1" noChangeArrowheads="1"/>
+          </p:cNvPicPr>
+          <p:nvPr/>
+        </p:nvPicPr>
+        <p:blipFill>
+          <a:blip r:embed="rId4"/>
+          <a:srcRect/>
+          <a:stretch>
+            <a:fillRect/>
+          </a:stretch>
+        </p:blipFill>
+        <p:spPr bwMode="auto">
+          <a:xfrm>
+            <a:off x="3968824" y="688389"/>
+            <a:ext cx="3638550" cy="1295400"/>
+          </a:xfrm>
+          <a:prstGeom prst="rect">
+            <a:avLst/>
+          </a:prstGeom>
+          <a:noFill/>
+          <a:ln w="9525">
+            <a:noFill/>
+            <a:miter lim="800000"/>
+            <a:headEnd/>
+            <a:tailEnd/>
+          </a:ln>
+          <a:effectLst/>
+        </p:spPr>
+      </p:pic>
+    </p:spTree>
+  </p:cSld>
+  <p:clrMapOvr>
+    <a:masterClrMapping/>
+  </p:clrMapOvr>
+  <p:timing>
+    <p:tnLst>
+      <p:par>
+        <p:cTn id="1" dur="indefinite" restart="never" nodeType="tmRoot"/>
+      </p:par>
+    </p:tnLst>
+  </p:timing>
+</p:sld>
+</file>
+
+<file path=ppt/slides/slide4.xml><?xml version="1.0" encoding="utf-8"?>
+<p:sld xmlns:a="http://schemas.openxmlformats.org/drawingml/2006/main" xmlns:r="http://schemas.openxmlformats.org/officeDocument/2006/relationships" xmlns:p="http://schemas.openxmlformats.org/presentationml/2006/main">
+  <p:cSld>
+    <p:spTree>
+      <p:nvGrpSpPr>
+        <p:cNvPr id="1" name=""/>
+        <p:cNvGrpSpPr/>
+        <p:nvPr/>
+      </p:nvGrpSpPr>
+      <p:grpSpPr>
+        <a:xfrm>
+          <a:off x="0" y="0"/>
+          <a:ext cx="0" cy="0"/>
+          <a:chOff x="0" y="0"/>
+          <a:chExt cx="0" cy="0"/>
+        </a:xfrm>
+      </p:grpSpPr>
+      <p:pic>
+        <p:nvPicPr>
+          <p:cNvPr id="3076" name="Picture 4"/>
+          <p:cNvPicPr>
+            <a:picLocks noChangeAspect="1" noChangeArrowheads="1"/>
+          </p:cNvPicPr>
+          <p:nvPr/>
+        </p:nvPicPr>
+        <p:blipFill>
+          <a:blip r:embed="rId2"/>
+          <a:srcRect/>
+          <a:stretch>
+            <a:fillRect/>
+          </a:stretch>
+        </p:blipFill>
+        <p:spPr bwMode="auto">
+          <a:xfrm>
+            <a:off x="2502340" y="2118360"/>
+            <a:ext cx="2249595" cy="2644140"/>
+          </a:xfrm>
+          <a:prstGeom prst="rect">
+            <a:avLst/>
+          </a:prstGeom>
+          <a:noFill/>
+          <a:ln w="9525">
+            <a:noFill/>
+            <a:miter lim="800000"/>
+            <a:headEnd/>
+            <a:tailEnd/>
+          </a:ln>
+          <a:effectLst/>
+        </p:spPr>
+      </p:pic>
+      <p:pic>
+        <p:nvPicPr>
+          <p:cNvPr id="3077" name="Picture 5" descr="C:\Users\Hp\Downloads\ms-saluja-final-sikh-girl-1-copy-removebg-preview.png"/>
+          <p:cNvPicPr>
+            <a:picLocks noChangeAspect="1" noChangeArrowheads="1"/>
+          </p:cNvPicPr>
+          <p:nvPr/>
+        </p:nvPicPr>
+        <p:blipFill>
+          <a:blip r:embed="rId3"/>
+          <a:srcRect/>
+          <a:stretch>
+            <a:fillRect/>
+          </a:stretch>
+        </p:blipFill>
+        <p:spPr bwMode="auto">
+          <a:xfrm>
+            <a:off x="4275995" y="2156460"/>
+            <a:ext cx="2177869" cy="2612488"/>
           </a:xfrm>
           <a:prstGeom prst="rect">
             <a:avLst/>
@@ -4025,6 +4436,13 @@
   <p:clrMapOvr>
     <a:masterClrMapping/>
   </p:clrMapOvr>
+  <p:timing>
+    <p:tnLst>
+      <p:par>
+        <p:cTn id="1" dur="indefinite" restart="never" nodeType="tmRoot"/>
+      </p:par>
+    </p:tnLst>
+  </p:timing>
 </p:sld>
 </file>
 

--- a/48_Information/Buttons.pptx
+++ b/48_Information/Buttons.pptx
@@ -6,9 +6,10 @@
   </p:sldMasterIdLst>
   <p:sldIdLst>
     <p:sldId id="256" r:id="rId2"/>
-    <p:sldId id="257" r:id="rId3"/>
-    <p:sldId id="258" r:id="rId4"/>
-    <p:sldId id="259" r:id="rId5"/>
+    <p:sldId id="260" r:id="rId3"/>
+    <p:sldId id="257" r:id="rId4"/>
+    <p:sldId id="258" r:id="rId5"/>
+    <p:sldId id="259" r:id="rId6"/>
   </p:sldIdLst>
   <p:sldSz cx="12192000" cy="6858000"/>
   <p:notesSz cx="6858000" cy="9144000"/>
@@ -109,7 +110,7 @@
   </p:defaultTextStyle>
   <p:extLst>
     <p:ext uri="{EFAFB233-063F-42B5-8137-9DF3F51BA10A}">
-      <p15:sldGuideLst xmlns="" xmlns:p15="http://schemas.microsoft.com/office/powerpoint/2012/main"/>
+      <p15:sldGuideLst xmlns:p15="http://schemas.microsoft.com/office/powerpoint/2012/main" xmlns=""/>
     </p:ext>
   </p:extLst>
 </p:presentation>
@@ -222,7 +223,7 @@
           <p:cNvPr id="2" name="Title 1">
             <a:extLst>
               <a:ext uri="{FF2B5EF4-FFF2-40B4-BE49-F238E27FC236}">
-                <a16:creationId xmlns="" xmlns:a16="http://schemas.microsoft.com/office/drawing/2014/main" id="{6765EDAE-CD52-C65B-AECE-23258297AA42}"/>
+                <a16:creationId xmlns:a16="http://schemas.microsoft.com/office/drawing/2014/main" xmlns="" id="{6765EDAE-CD52-C65B-AECE-23258297AA42}"/>
               </a:ext>
             </a:extLst>
           </p:cNvPr>
@@ -259,7 +260,7 @@
           <p:cNvPr id="3" name="Subtitle 2">
             <a:extLst>
               <a:ext uri="{FF2B5EF4-FFF2-40B4-BE49-F238E27FC236}">
-                <a16:creationId xmlns="" xmlns:a16="http://schemas.microsoft.com/office/drawing/2014/main" id="{2FEBEF51-7344-46FA-8EA9-7412478CFEC5}"/>
+                <a16:creationId xmlns:a16="http://schemas.microsoft.com/office/drawing/2014/main" xmlns="" id="{2FEBEF51-7344-46FA-8EA9-7412478CFEC5}"/>
               </a:ext>
             </a:extLst>
           </p:cNvPr>
@@ -329,7 +330,7 @@
           <p:cNvPr id="4" name="Date Placeholder 3">
             <a:extLst>
               <a:ext uri="{FF2B5EF4-FFF2-40B4-BE49-F238E27FC236}">
-                <a16:creationId xmlns="" xmlns:a16="http://schemas.microsoft.com/office/drawing/2014/main" id="{B5B0F28A-059C-E1C2-6750-AE58EF05C372}"/>
+                <a16:creationId xmlns:a16="http://schemas.microsoft.com/office/drawing/2014/main" xmlns="" id="{B5B0F28A-059C-E1C2-6750-AE58EF05C372}"/>
               </a:ext>
             </a:extLst>
           </p:cNvPr>
@@ -348,7 +349,7 @@
             <a:fld id="{4862FF9E-176D-4054-BBB8-3149401C51F7}" type="datetimeFigureOut">
               <a:rPr lang="en-GB" smtClean="0"/>
               <a:pPr/>
-              <a:t>06/07/2025</a:t>
+              <a:t>11/07/2025</a:t>
             </a:fld>
             <a:endParaRPr lang="en-GB"/>
           </a:p>
@@ -359,7 +360,7 @@
           <p:cNvPr id="5" name="Footer Placeholder 4">
             <a:extLst>
               <a:ext uri="{FF2B5EF4-FFF2-40B4-BE49-F238E27FC236}">
-                <a16:creationId xmlns="" xmlns:a16="http://schemas.microsoft.com/office/drawing/2014/main" id="{FE5F2E00-C1DD-4BEC-C73F-F5893829F2DF}"/>
+                <a16:creationId xmlns:a16="http://schemas.microsoft.com/office/drawing/2014/main" xmlns="" id="{FE5F2E00-C1DD-4BEC-C73F-F5893829F2DF}"/>
               </a:ext>
             </a:extLst>
           </p:cNvPr>
@@ -384,7 +385,7 @@
           <p:cNvPr id="6" name="Slide Number Placeholder 5">
             <a:extLst>
               <a:ext uri="{FF2B5EF4-FFF2-40B4-BE49-F238E27FC236}">
-                <a16:creationId xmlns="" xmlns:a16="http://schemas.microsoft.com/office/drawing/2014/main" id="{197AC239-5518-8DA8-62B5-99359AB6CBFB}"/>
+                <a16:creationId xmlns:a16="http://schemas.microsoft.com/office/drawing/2014/main" xmlns="" id="{197AC239-5518-8DA8-62B5-99359AB6CBFB}"/>
               </a:ext>
             </a:extLst>
           </p:cNvPr>
@@ -412,7 +413,7 @@
     </p:spTree>
     <p:extLst>
       <p:ext uri="{BB962C8B-B14F-4D97-AF65-F5344CB8AC3E}">
-        <p14:creationId xmlns="" xmlns:p14="http://schemas.microsoft.com/office/powerpoint/2010/main" val="4294660070"/>
+        <p14:creationId xmlns:p14="http://schemas.microsoft.com/office/powerpoint/2010/main" xmlns="" val="4294660070"/>
       </p:ext>
     </p:extLst>
   </p:cSld>
@@ -444,7 +445,7 @@
           <p:cNvPr id="2" name="Title 1">
             <a:extLst>
               <a:ext uri="{FF2B5EF4-FFF2-40B4-BE49-F238E27FC236}">
-                <a16:creationId xmlns="" xmlns:a16="http://schemas.microsoft.com/office/drawing/2014/main" id="{FE6720D1-7F8D-27AE-DD5C-B4DAFAEBBD71}"/>
+                <a16:creationId xmlns:a16="http://schemas.microsoft.com/office/drawing/2014/main" xmlns="" id="{FE6720D1-7F8D-27AE-DD5C-B4DAFAEBBD71}"/>
               </a:ext>
             </a:extLst>
           </p:cNvPr>
@@ -472,7 +473,7 @@
           <p:cNvPr id="3" name="Vertical Text Placeholder 2">
             <a:extLst>
               <a:ext uri="{FF2B5EF4-FFF2-40B4-BE49-F238E27FC236}">
-                <a16:creationId xmlns="" xmlns:a16="http://schemas.microsoft.com/office/drawing/2014/main" id="{CA6E05C5-8ED8-1484-1DE7-B2327EF51DD9}"/>
+                <a16:creationId xmlns:a16="http://schemas.microsoft.com/office/drawing/2014/main" xmlns="" id="{CA6E05C5-8ED8-1484-1DE7-B2327EF51DD9}"/>
               </a:ext>
             </a:extLst>
           </p:cNvPr>
@@ -529,7 +530,7 @@
           <p:cNvPr id="4" name="Date Placeholder 3">
             <a:extLst>
               <a:ext uri="{FF2B5EF4-FFF2-40B4-BE49-F238E27FC236}">
-                <a16:creationId xmlns="" xmlns:a16="http://schemas.microsoft.com/office/drawing/2014/main" id="{6F1D96C1-B83E-B101-1EA6-0A6EC9A73B0A}"/>
+                <a16:creationId xmlns:a16="http://schemas.microsoft.com/office/drawing/2014/main" xmlns="" id="{6F1D96C1-B83E-B101-1EA6-0A6EC9A73B0A}"/>
               </a:ext>
             </a:extLst>
           </p:cNvPr>
@@ -548,7 +549,7 @@
             <a:fld id="{4862FF9E-176D-4054-BBB8-3149401C51F7}" type="datetimeFigureOut">
               <a:rPr lang="en-GB" smtClean="0"/>
               <a:pPr/>
-              <a:t>06/07/2025</a:t>
+              <a:t>11/07/2025</a:t>
             </a:fld>
             <a:endParaRPr lang="en-GB"/>
           </a:p>
@@ -559,7 +560,7 @@
           <p:cNvPr id="5" name="Footer Placeholder 4">
             <a:extLst>
               <a:ext uri="{FF2B5EF4-FFF2-40B4-BE49-F238E27FC236}">
-                <a16:creationId xmlns="" xmlns:a16="http://schemas.microsoft.com/office/drawing/2014/main" id="{64CAA912-B546-3148-6B05-FA5A96AE97E0}"/>
+                <a16:creationId xmlns:a16="http://schemas.microsoft.com/office/drawing/2014/main" xmlns="" id="{64CAA912-B546-3148-6B05-FA5A96AE97E0}"/>
               </a:ext>
             </a:extLst>
           </p:cNvPr>
@@ -584,7 +585,7 @@
           <p:cNvPr id="6" name="Slide Number Placeholder 5">
             <a:extLst>
               <a:ext uri="{FF2B5EF4-FFF2-40B4-BE49-F238E27FC236}">
-                <a16:creationId xmlns="" xmlns:a16="http://schemas.microsoft.com/office/drawing/2014/main" id="{31DA12F0-A09E-B000-380C-7FD24E39DDDD}"/>
+                <a16:creationId xmlns:a16="http://schemas.microsoft.com/office/drawing/2014/main" xmlns="" id="{31DA12F0-A09E-B000-380C-7FD24E39DDDD}"/>
               </a:ext>
             </a:extLst>
           </p:cNvPr>
@@ -612,7 +613,7 @@
     </p:spTree>
     <p:extLst>
       <p:ext uri="{BB962C8B-B14F-4D97-AF65-F5344CB8AC3E}">
-        <p14:creationId xmlns="" xmlns:p14="http://schemas.microsoft.com/office/powerpoint/2010/main" val="928196487"/>
+        <p14:creationId xmlns:p14="http://schemas.microsoft.com/office/powerpoint/2010/main" xmlns="" val="928196487"/>
       </p:ext>
     </p:extLst>
   </p:cSld>
@@ -644,7 +645,7 @@
           <p:cNvPr id="2" name="Vertical Title 1">
             <a:extLst>
               <a:ext uri="{FF2B5EF4-FFF2-40B4-BE49-F238E27FC236}">
-                <a16:creationId xmlns="" xmlns:a16="http://schemas.microsoft.com/office/drawing/2014/main" id="{35202D14-AE51-BDAD-7468-1041ED965661}"/>
+                <a16:creationId xmlns:a16="http://schemas.microsoft.com/office/drawing/2014/main" xmlns="" id="{35202D14-AE51-BDAD-7468-1041ED965661}"/>
               </a:ext>
             </a:extLst>
           </p:cNvPr>
@@ -677,7 +678,7 @@
           <p:cNvPr id="3" name="Vertical Text Placeholder 2">
             <a:extLst>
               <a:ext uri="{FF2B5EF4-FFF2-40B4-BE49-F238E27FC236}">
-                <a16:creationId xmlns="" xmlns:a16="http://schemas.microsoft.com/office/drawing/2014/main" id="{3ECC1EE3-F3BA-E7F5-0695-50D8DAB257A1}"/>
+                <a16:creationId xmlns:a16="http://schemas.microsoft.com/office/drawing/2014/main" xmlns="" id="{3ECC1EE3-F3BA-E7F5-0695-50D8DAB257A1}"/>
               </a:ext>
             </a:extLst>
           </p:cNvPr>
@@ -739,7 +740,7 @@
           <p:cNvPr id="4" name="Date Placeholder 3">
             <a:extLst>
               <a:ext uri="{FF2B5EF4-FFF2-40B4-BE49-F238E27FC236}">
-                <a16:creationId xmlns="" xmlns:a16="http://schemas.microsoft.com/office/drawing/2014/main" id="{1618033B-DAFB-2F61-321C-A88A124E5BD4}"/>
+                <a16:creationId xmlns:a16="http://schemas.microsoft.com/office/drawing/2014/main" xmlns="" id="{1618033B-DAFB-2F61-321C-A88A124E5BD4}"/>
               </a:ext>
             </a:extLst>
           </p:cNvPr>
@@ -758,7 +759,7 @@
             <a:fld id="{4862FF9E-176D-4054-BBB8-3149401C51F7}" type="datetimeFigureOut">
               <a:rPr lang="en-GB" smtClean="0"/>
               <a:pPr/>
-              <a:t>06/07/2025</a:t>
+              <a:t>11/07/2025</a:t>
             </a:fld>
             <a:endParaRPr lang="en-GB"/>
           </a:p>
@@ -769,7 +770,7 @@
           <p:cNvPr id="5" name="Footer Placeholder 4">
             <a:extLst>
               <a:ext uri="{FF2B5EF4-FFF2-40B4-BE49-F238E27FC236}">
-                <a16:creationId xmlns="" xmlns:a16="http://schemas.microsoft.com/office/drawing/2014/main" id="{FA0DD622-C62A-D00F-9CDE-70B05976351D}"/>
+                <a16:creationId xmlns:a16="http://schemas.microsoft.com/office/drawing/2014/main" xmlns="" id="{FA0DD622-C62A-D00F-9CDE-70B05976351D}"/>
               </a:ext>
             </a:extLst>
           </p:cNvPr>
@@ -794,7 +795,7 @@
           <p:cNvPr id="6" name="Slide Number Placeholder 5">
             <a:extLst>
               <a:ext uri="{FF2B5EF4-FFF2-40B4-BE49-F238E27FC236}">
-                <a16:creationId xmlns="" xmlns:a16="http://schemas.microsoft.com/office/drawing/2014/main" id="{961BACBB-61E5-D904-8DFA-B7EAB96BF945}"/>
+                <a16:creationId xmlns:a16="http://schemas.microsoft.com/office/drawing/2014/main" xmlns="" id="{961BACBB-61E5-D904-8DFA-B7EAB96BF945}"/>
               </a:ext>
             </a:extLst>
           </p:cNvPr>
@@ -822,7 +823,7 @@
     </p:spTree>
     <p:extLst>
       <p:ext uri="{BB962C8B-B14F-4D97-AF65-F5344CB8AC3E}">
-        <p14:creationId xmlns="" xmlns:p14="http://schemas.microsoft.com/office/powerpoint/2010/main" val="1962347364"/>
+        <p14:creationId xmlns:p14="http://schemas.microsoft.com/office/powerpoint/2010/main" xmlns="" val="1962347364"/>
       </p:ext>
     </p:extLst>
   </p:cSld>
@@ -854,7 +855,7 @@
           <p:cNvPr id="2" name="Title 1">
             <a:extLst>
               <a:ext uri="{FF2B5EF4-FFF2-40B4-BE49-F238E27FC236}">
-                <a16:creationId xmlns="" xmlns:a16="http://schemas.microsoft.com/office/drawing/2014/main" id="{69310983-6F2B-C93D-F3E2-B9B7FFE87007}"/>
+                <a16:creationId xmlns:a16="http://schemas.microsoft.com/office/drawing/2014/main" xmlns="" id="{69310983-6F2B-C93D-F3E2-B9B7FFE87007}"/>
               </a:ext>
             </a:extLst>
           </p:cNvPr>
@@ -882,7 +883,7 @@
           <p:cNvPr id="3" name="Content Placeholder 2">
             <a:extLst>
               <a:ext uri="{FF2B5EF4-FFF2-40B4-BE49-F238E27FC236}">
-                <a16:creationId xmlns="" xmlns:a16="http://schemas.microsoft.com/office/drawing/2014/main" id="{71D7729D-AFBA-0013-8ADE-935F1D29A351}"/>
+                <a16:creationId xmlns:a16="http://schemas.microsoft.com/office/drawing/2014/main" xmlns="" id="{71D7729D-AFBA-0013-8ADE-935F1D29A351}"/>
               </a:ext>
             </a:extLst>
           </p:cNvPr>
@@ -939,7 +940,7 @@
           <p:cNvPr id="4" name="Date Placeholder 3">
             <a:extLst>
               <a:ext uri="{FF2B5EF4-FFF2-40B4-BE49-F238E27FC236}">
-                <a16:creationId xmlns="" xmlns:a16="http://schemas.microsoft.com/office/drawing/2014/main" id="{8BDDD648-4F07-DE43-B2FC-5D4C1E3EEE7F}"/>
+                <a16:creationId xmlns:a16="http://schemas.microsoft.com/office/drawing/2014/main" xmlns="" id="{8BDDD648-4F07-DE43-B2FC-5D4C1E3EEE7F}"/>
               </a:ext>
             </a:extLst>
           </p:cNvPr>
@@ -958,7 +959,7 @@
             <a:fld id="{4862FF9E-176D-4054-BBB8-3149401C51F7}" type="datetimeFigureOut">
               <a:rPr lang="en-GB" smtClean="0"/>
               <a:pPr/>
-              <a:t>06/07/2025</a:t>
+              <a:t>11/07/2025</a:t>
             </a:fld>
             <a:endParaRPr lang="en-GB"/>
           </a:p>
@@ -969,7 +970,7 @@
           <p:cNvPr id="5" name="Footer Placeholder 4">
             <a:extLst>
               <a:ext uri="{FF2B5EF4-FFF2-40B4-BE49-F238E27FC236}">
-                <a16:creationId xmlns="" xmlns:a16="http://schemas.microsoft.com/office/drawing/2014/main" id="{632C891E-50DC-B17E-2EA9-A4928AD024C6}"/>
+                <a16:creationId xmlns:a16="http://schemas.microsoft.com/office/drawing/2014/main" xmlns="" id="{632C891E-50DC-B17E-2EA9-A4928AD024C6}"/>
               </a:ext>
             </a:extLst>
           </p:cNvPr>
@@ -994,7 +995,7 @@
           <p:cNvPr id="6" name="Slide Number Placeholder 5">
             <a:extLst>
               <a:ext uri="{FF2B5EF4-FFF2-40B4-BE49-F238E27FC236}">
-                <a16:creationId xmlns="" xmlns:a16="http://schemas.microsoft.com/office/drawing/2014/main" id="{8FE82E92-17BE-A52B-165C-C72EDF9493F9}"/>
+                <a16:creationId xmlns:a16="http://schemas.microsoft.com/office/drawing/2014/main" xmlns="" id="{8FE82E92-17BE-A52B-165C-C72EDF9493F9}"/>
               </a:ext>
             </a:extLst>
           </p:cNvPr>
@@ -1022,7 +1023,7 @@
     </p:spTree>
     <p:extLst>
       <p:ext uri="{BB962C8B-B14F-4D97-AF65-F5344CB8AC3E}">
-        <p14:creationId xmlns="" xmlns:p14="http://schemas.microsoft.com/office/powerpoint/2010/main" val="2731203742"/>
+        <p14:creationId xmlns:p14="http://schemas.microsoft.com/office/powerpoint/2010/main" xmlns="" val="2731203742"/>
       </p:ext>
     </p:extLst>
   </p:cSld>
@@ -1054,7 +1055,7 @@
           <p:cNvPr id="2" name="Title 1">
             <a:extLst>
               <a:ext uri="{FF2B5EF4-FFF2-40B4-BE49-F238E27FC236}">
-                <a16:creationId xmlns="" xmlns:a16="http://schemas.microsoft.com/office/drawing/2014/main" id="{88CBB635-753D-9FC2-0452-B98B1A761F25}"/>
+                <a16:creationId xmlns:a16="http://schemas.microsoft.com/office/drawing/2014/main" xmlns="" id="{88CBB635-753D-9FC2-0452-B98B1A761F25}"/>
               </a:ext>
             </a:extLst>
           </p:cNvPr>
@@ -1091,7 +1092,7 @@
           <p:cNvPr id="3" name="Text Placeholder 2">
             <a:extLst>
               <a:ext uri="{FF2B5EF4-FFF2-40B4-BE49-F238E27FC236}">
-                <a16:creationId xmlns="" xmlns:a16="http://schemas.microsoft.com/office/drawing/2014/main" id="{B614B9F5-190B-25BE-FA7E-3350F0D9B2BB}"/>
+                <a16:creationId xmlns:a16="http://schemas.microsoft.com/office/drawing/2014/main" xmlns="" id="{B614B9F5-190B-25BE-FA7E-3350F0D9B2BB}"/>
               </a:ext>
             </a:extLst>
           </p:cNvPr>
@@ -1216,7 +1217,7 @@
           <p:cNvPr id="4" name="Date Placeholder 3">
             <a:extLst>
               <a:ext uri="{FF2B5EF4-FFF2-40B4-BE49-F238E27FC236}">
-                <a16:creationId xmlns="" xmlns:a16="http://schemas.microsoft.com/office/drawing/2014/main" id="{F12FC4F2-77BD-B261-B423-CE4EEC7B248D}"/>
+                <a16:creationId xmlns:a16="http://schemas.microsoft.com/office/drawing/2014/main" xmlns="" id="{F12FC4F2-77BD-B261-B423-CE4EEC7B248D}"/>
               </a:ext>
             </a:extLst>
           </p:cNvPr>
@@ -1235,7 +1236,7 @@
             <a:fld id="{4862FF9E-176D-4054-BBB8-3149401C51F7}" type="datetimeFigureOut">
               <a:rPr lang="en-GB" smtClean="0"/>
               <a:pPr/>
-              <a:t>06/07/2025</a:t>
+              <a:t>11/07/2025</a:t>
             </a:fld>
             <a:endParaRPr lang="en-GB"/>
           </a:p>
@@ -1246,7 +1247,7 @@
           <p:cNvPr id="5" name="Footer Placeholder 4">
             <a:extLst>
               <a:ext uri="{FF2B5EF4-FFF2-40B4-BE49-F238E27FC236}">
-                <a16:creationId xmlns="" xmlns:a16="http://schemas.microsoft.com/office/drawing/2014/main" id="{9FA9D157-C91A-39D7-14BF-C2DD8147F69B}"/>
+                <a16:creationId xmlns:a16="http://schemas.microsoft.com/office/drawing/2014/main" xmlns="" id="{9FA9D157-C91A-39D7-14BF-C2DD8147F69B}"/>
               </a:ext>
             </a:extLst>
           </p:cNvPr>
@@ -1271,7 +1272,7 @@
           <p:cNvPr id="6" name="Slide Number Placeholder 5">
             <a:extLst>
               <a:ext uri="{FF2B5EF4-FFF2-40B4-BE49-F238E27FC236}">
-                <a16:creationId xmlns="" xmlns:a16="http://schemas.microsoft.com/office/drawing/2014/main" id="{B4716B4A-51A3-9059-08AB-582136211378}"/>
+                <a16:creationId xmlns:a16="http://schemas.microsoft.com/office/drawing/2014/main" xmlns="" id="{B4716B4A-51A3-9059-08AB-582136211378}"/>
               </a:ext>
             </a:extLst>
           </p:cNvPr>
@@ -1299,7 +1300,7 @@
     </p:spTree>
     <p:extLst>
       <p:ext uri="{BB962C8B-B14F-4D97-AF65-F5344CB8AC3E}">
-        <p14:creationId xmlns="" xmlns:p14="http://schemas.microsoft.com/office/powerpoint/2010/main" val="1591260979"/>
+        <p14:creationId xmlns:p14="http://schemas.microsoft.com/office/powerpoint/2010/main" xmlns="" val="1591260979"/>
       </p:ext>
     </p:extLst>
   </p:cSld>
@@ -1331,7 +1332,7 @@
           <p:cNvPr id="2" name="Title 1">
             <a:extLst>
               <a:ext uri="{FF2B5EF4-FFF2-40B4-BE49-F238E27FC236}">
-                <a16:creationId xmlns="" xmlns:a16="http://schemas.microsoft.com/office/drawing/2014/main" id="{FDBF8ACC-F398-026D-F89A-7FCCE998CB6E}"/>
+                <a16:creationId xmlns:a16="http://schemas.microsoft.com/office/drawing/2014/main" xmlns="" id="{FDBF8ACC-F398-026D-F89A-7FCCE998CB6E}"/>
               </a:ext>
             </a:extLst>
           </p:cNvPr>
@@ -1359,7 +1360,7 @@
           <p:cNvPr id="3" name="Content Placeholder 2">
             <a:extLst>
               <a:ext uri="{FF2B5EF4-FFF2-40B4-BE49-F238E27FC236}">
-                <a16:creationId xmlns="" xmlns:a16="http://schemas.microsoft.com/office/drawing/2014/main" id="{7552F833-BFCD-13D4-C870-B90C75C1CC8D}"/>
+                <a16:creationId xmlns:a16="http://schemas.microsoft.com/office/drawing/2014/main" xmlns="" id="{7552F833-BFCD-13D4-C870-B90C75C1CC8D}"/>
               </a:ext>
             </a:extLst>
           </p:cNvPr>
@@ -1421,7 +1422,7 @@
           <p:cNvPr id="4" name="Content Placeholder 3">
             <a:extLst>
               <a:ext uri="{FF2B5EF4-FFF2-40B4-BE49-F238E27FC236}">
-                <a16:creationId xmlns="" xmlns:a16="http://schemas.microsoft.com/office/drawing/2014/main" id="{8517A54F-399B-D6E0-F298-A677D99F32FF}"/>
+                <a16:creationId xmlns:a16="http://schemas.microsoft.com/office/drawing/2014/main" xmlns="" id="{8517A54F-399B-D6E0-F298-A677D99F32FF}"/>
               </a:ext>
             </a:extLst>
           </p:cNvPr>
@@ -1483,7 +1484,7 @@
           <p:cNvPr id="5" name="Date Placeholder 4">
             <a:extLst>
               <a:ext uri="{FF2B5EF4-FFF2-40B4-BE49-F238E27FC236}">
-                <a16:creationId xmlns="" xmlns:a16="http://schemas.microsoft.com/office/drawing/2014/main" id="{65EA3D23-BCDA-28D5-AB92-265774689D52}"/>
+                <a16:creationId xmlns:a16="http://schemas.microsoft.com/office/drawing/2014/main" xmlns="" id="{65EA3D23-BCDA-28D5-AB92-265774689D52}"/>
               </a:ext>
             </a:extLst>
           </p:cNvPr>
@@ -1502,7 +1503,7 @@
             <a:fld id="{4862FF9E-176D-4054-BBB8-3149401C51F7}" type="datetimeFigureOut">
               <a:rPr lang="en-GB" smtClean="0"/>
               <a:pPr/>
-              <a:t>06/07/2025</a:t>
+              <a:t>11/07/2025</a:t>
             </a:fld>
             <a:endParaRPr lang="en-GB"/>
           </a:p>
@@ -1513,7 +1514,7 @@
           <p:cNvPr id="6" name="Footer Placeholder 5">
             <a:extLst>
               <a:ext uri="{FF2B5EF4-FFF2-40B4-BE49-F238E27FC236}">
-                <a16:creationId xmlns="" xmlns:a16="http://schemas.microsoft.com/office/drawing/2014/main" id="{0478CA32-ACA2-3127-BFC8-22A7F3CF293A}"/>
+                <a16:creationId xmlns:a16="http://schemas.microsoft.com/office/drawing/2014/main" xmlns="" id="{0478CA32-ACA2-3127-BFC8-22A7F3CF293A}"/>
               </a:ext>
             </a:extLst>
           </p:cNvPr>
@@ -1538,7 +1539,7 @@
           <p:cNvPr id="7" name="Slide Number Placeholder 6">
             <a:extLst>
               <a:ext uri="{FF2B5EF4-FFF2-40B4-BE49-F238E27FC236}">
-                <a16:creationId xmlns="" xmlns:a16="http://schemas.microsoft.com/office/drawing/2014/main" id="{70E9E385-B15B-1124-0141-649E82DF6304}"/>
+                <a16:creationId xmlns:a16="http://schemas.microsoft.com/office/drawing/2014/main" xmlns="" id="{70E9E385-B15B-1124-0141-649E82DF6304}"/>
               </a:ext>
             </a:extLst>
           </p:cNvPr>
@@ -1566,7 +1567,7 @@
     </p:spTree>
     <p:extLst>
       <p:ext uri="{BB962C8B-B14F-4D97-AF65-F5344CB8AC3E}">
-        <p14:creationId xmlns="" xmlns:p14="http://schemas.microsoft.com/office/powerpoint/2010/main" val="2705086358"/>
+        <p14:creationId xmlns:p14="http://schemas.microsoft.com/office/powerpoint/2010/main" xmlns="" val="2705086358"/>
       </p:ext>
     </p:extLst>
   </p:cSld>
@@ -1598,7 +1599,7 @@
           <p:cNvPr id="2" name="Title 1">
             <a:extLst>
               <a:ext uri="{FF2B5EF4-FFF2-40B4-BE49-F238E27FC236}">
-                <a16:creationId xmlns="" xmlns:a16="http://schemas.microsoft.com/office/drawing/2014/main" id="{2BD6D298-AA91-486C-9746-5CD8465C62E4}"/>
+                <a16:creationId xmlns:a16="http://schemas.microsoft.com/office/drawing/2014/main" xmlns="" id="{2BD6D298-AA91-486C-9746-5CD8465C62E4}"/>
               </a:ext>
             </a:extLst>
           </p:cNvPr>
@@ -1631,7 +1632,7 @@
           <p:cNvPr id="3" name="Text Placeholder 2">
             <a:extLst>
               <a:ext uri="{FF2B5EF4-FFF2-40B4-BE49-F238E27FC236}">
-                <a16:creationId xmlns="" xmlns:a16="http://schemas.microsoft.com/office/drawing/2014/main" id="{CE4AB64E-4B77-8F4D-BC59-4BED0401B10B}"/>
+                <a16:creationId xmlns:a16="http://schemas.microsoft.com/office/drawing/2014/main" xmlns="" id="{CE4AB64E-4B77-8F4D-BC59-4BED0401B10B}"/>
               </a:ext>
             </a:extLst>
           </p:cNvPr>
@@ -1702,7 +1703,7 @@
           <p:cNvPr id="4" name="Content Placeholder 3">
             <a:extLst>
               <a:ext uri="{FF2B5EF4-FFF2-40B4-BE49-F238E27FC236}">
-                <a16:creationId xmlns="" xmlns:a16="http://schemas.microsoft.com/office/drawing/2014/main" id="{66D2B900-DC35-4401-E7B4-7185ABF7B69F}"/>
+                <a16:creationId xmlns:a16="http://schemas.microsoft.com/office/drawing/2014/main" xmlns="" id="{66D2B900-DC35-4401-E7B4-7185ABF7B69F}"/>
               </a:ext>
             </a:extLst>
           </p:cNvPr>
@@ -1764,7 +1765,7 @@
           <p:cNvPr id="5" name="Text Placeholder 4">
             <a:extLst>
               <a:ext uri="{FF2B5EF4-FFF2-40B4-BE49-F238E27FC236}">
-                <a16:creationId xmlns="" xmlns:a16="http://schemas.microsoft.com/office/drawing/2014/main" id="{698C35F8-079E-0259-17D2-2CC7C7DC62AA}"/>
+                <a16:creationId xmlns:a16="http://schemas.microsoft.com/office/drawing/2014/main" xmlns="" id="{698C35F8-079E-0259-17D2-2CC7C7DC62AA}"/>
               </a:ext>
             </a:extLst>
           </p:cNvPr>
@@ -1835,7 +1836,7 @@
           <p:cNvPr id="6" name="Content Placeholder 5">
             <a:extLst>
               <a:ext uri="{FF2B5EF4-FFF2-40B4-BE49-F238E27FC236}">
-                <a16:creationId xmlns="" xmlns:a16="http://schemas.microsoft.com/office/drawing/2014/main" id="{A61BC6E5-DF35-4E1A-F36C-7AA5A2323C04}"/>
+                <a16:creationId xmlns:a16="http://schemas.microsoft.com/office/drawing/2014/main" xmlns="" id="{A61BC6E5-DF35-4E1A-F36C-7AA5A2323C04}"/>
               </a:ext>
             </a:extLst>
           </p:cNvPr>
@@ -1897,7 +1898,7 @@
           <p:cNvPr id="7" name="Date Placeholder 6">
             <a:extLst>
               <a:ext uri="{FF2B5EF4-FFF2-40B4-BE49-F238E27FC236}">
-                <a16:creationId xmlns="" xmlns:a16="http://schemas.microsoft.com/office/drawing/2014/main" id="{D981B4BC-C993-0F25-3760-DB263066F421}"/>
+                <a16:creationId xmlns:a16="http://schemas.microsoft.com/office/drawing/2014/main" xmlns="" id="{D981B4BC-C993-0F25-3760-DB263066F421}"/>
               </a:ext>
             </a:extLst>
           </p:cNvPr>
@@ -1916,7 +1917,7 @@
             <a:fld id="{4862FF9E-176D-4054-BBB8-3149401C51F7}" type="datetimeFigureOut">
               <a:rPr lang="en-GB" smtClean="0"/>
               <a:pPr/>
-              <a:t>06/07/2025</a:t>
+              <a:t>11/07/2025</a:t>
             </a:fld>
             <a:endParaRPr lang="en-GB"/>
           </a:p>
@@ -1927,7 +1928,7 @@
           <p:cNvPr id="8" name="Footer Placeholder 7">
             <a:extLst>
               <a:ext uri="{FF2B5EF4-FFF2-40B4-BE49-F238E27FC236}">
-                <a16:creationId xmlns="" xmlns:a16="http://schemas.microsoft.com/office/drawing/2014/main" id="{9C727661-A5BF-6055-5E66-C20B6C82B6FF}"/>
+                <a16:creationId xmlns:a16="http://schemas.microsoft.com/office/drawing/2014/main" xmlns="" id="{9C727661-A5BF-6055-5E66-C20B6C82B6FF}"/>
               </a:ext>
             </a:extLst>
           </p:cNvPr>
@@ -1952,7 +1953,7 @@
           <p:cNvPr id="9" name="Slide Number Placeholder 8">
             <a:extLst>
               <a:ext uri="{FF2B5EF4-FFF2-40B4-BE49-F238E27FC236}">
-                <a16:creationId xmlns="" xmlns:a16="http://schemas.microsoft.com/office/drawing/2014/main" id="{B3AC4A6C-789F-6A07-011B-A9D2C5058B54}"/>
+                <a16:creationId xmlns:a16="http://schemas.microsoft.com/office/drawing/2014/main" xmlns="" id="{B3AC4A6C-789F-6A07-011B-A9D2C5058B54}"/>
               </a:ext>
             </a:extLst>
           </p:cNvPr>
@@ -1980,7 +1981,7 @@
     </p:spTree>
     <p:extLst>
       <p:ext uri="{BB962C8B-B14F-4D97-AF65-F5344CB8AC3E}">
-        <p14:creationId xmlns="" xmlns:p14="http://schemas.microsoft.com/office/powerpoint/2010/main" val="2297401457"/>
+        <p14:creationId xmlns:p14="http://schemas.microsoft.com/office/powerpoint/2010/main" xmlns="" val="2297401457"/>
       </p:ext>
     </p:extLst>
   </p:cSld>
@@ -2012,7 +2013,7 @@
           <p:cNvPr id="2" name="Title 1">
             <a:extLst>
               <a:ext uri="{FF2B5EF4-FFF2-40B4-BE49-F238E27FC236}">
-                <a16:creationId xmlns="" xmlns:a16="http://schemas.microsoft.com/office/drawing/2014/main" id="{13503CE9-A81A-C0F2-18A8-4373F3265EAE}"/>
+                <a16:creationId xmlns:a16="http://schemas.microsoft.com/office/drawing/2014/main" xmlns="" id="{13503CE9-A81A-C0F2-18A8-4373F3265EAE}"/>
               </a:ext>
             </a:extLst>
           </p:cNvPr>
@@ -2040,7 +2041,7 @@
           <p:cNvPr id="3" name="Date Placeholder 2">
             <a:extLst>
               <a:ext uri="{FF2B5EF4-FFF2-40B4-BE49-F238E27FC236}">
-                <a16:creationId xmlns="" xmlns:a16="http://schemas.microsoft.com/office/drawing/2014/main" id="{7864596E-14FC-84BA-D47B-E677B7CF18D5}"/>
+                <a16:creationId xmlns:a16="http://schemas.microsoft.com/office/drawing/2014/main" xmlns="" id="{7864596E-14FC-84BA-D47B-E677B7CF18D5}"/>
               </a:ext>
             </a:extLst>
           </p:cNvPr>
@@ -2059,7 +2060,7 @@
             <a:fld id="{4862FF9E-176D-4054-BBB8-3149401C51F7}" type="datetimeFigureOut">
               <a:rPr lang="en-GB" smtClean="0"/>
               <a:pPr/>
-              <a:t>06/07/2025</a:t>
+              <a:t>11/07/2025</a:t>
             </a:fld>
             <a:endParaRPr lang="en-GB"/>
           </a:p>
@@ -2070,7 +2071,7 @@
           <p:cNvPr id="4" name="Footer Placeholder 3">
             <a:extLst>
               <a:ext uri="{FF2B5EF4-FFF2-40B4-BE49-F238E27FC236}">
-                <a16:creationId xmlns="" xmlns:a16="http://schemas.microsoft.com/office/drawing/2014/main" id="{D18A3DF0-0B00-C87C-4B93-0EB9853020BC}"/>
+                <a16:creationId xmlns:a16="http://schemas.microsoft.com/office/drawing/2014/main" xmlns="" id="{D18A3DF0-0B00-C87C-4B93-0EB9853020BC}"/>
               </a:ext>
             </a:extLst>
           </p:cNvPr>
@@ -2095,7 +2096,7 @@
           <p:cNvPr id="5" name="Slide Number Placeholder 4">
             <a:extLst>
               <a:ext uri="{FF2B5EF4-FFF2-40B4-BE49-F238E27FC236}">
-                <a16:creationId xmlns="" xmlns:a16="http://schemas.microsoft.com/office/drawing/2014/main" id="{D29A98D0-5F24-F2AF-F6DF-2FBD7DCE3EBE}"/>
+                <a16:creationId xmlns:a16="http://schemas.microsoft.com/office/drawing/2014/main" xmlns="" id="{D29A98D0-5F24-F2AF-F6DF-2FBD7DCE3EBE}"/>
               </a:ext>
             </a:extLst>
           </p:cNvPr>
@@ -2123,7 +2124,7 @@
     </p:spTree>
     <p:extLst>
       <p:ext uri="{BB962C8B-B14F-4D97-AF65-F5344CB8AC3E}">
-        <p14:creationId xmlns="" xmlns:p14="http://schemas.microsoft.com/office/powerpoint/2010/main" val="1313069817"/>
+        <p14:creationId xmlns:p14="http://schemas.microsoft.com/office/powerpoint/2010/main" xmlns="" val="1313069817"/>
       </p:ext>
     </p:extLst>
   </p:cSld>
@@ -2155,7 +2156,7 @@
           <p:cNvPr id="2" name="Date Placeholder 1">
             <a:extLst>
               <a:ext uri="{FF2B5EF4-FFF2-40B4-BE49-F238E27FC236}">
-                <a16:creationId xmlns="" xmlns:a16="http://schemas.microsoft.com/office/drawing/2014/main" id="{E02E05A4-9F87-2893-401C-9FE63C86BFCB}"/>
+                <a16:creationId xmlns:a16="http://schemas.microsoft.com/office/drawing/2014/main" xmlns="" id="{E02E05A4-9F87-2893-401C-9FE63C86BFCB}"/>
               </a:ext>
             </a:extLst>
           </p:cNvPr>
@@ -2174,7 +2175,7 @@
             <a:fld id="{4862FF9E-176D-4054-BBB8-3149401C51F7}" type="datetimeFigureOut">
               <a:rPr lang="en-GB" smtClean="0"/>
               <a:pPr/>
-              <a:t>06/07/2025</a:t>
+              <a:t>11/07/2025</a:t>
             </a:fld>
             <a:endParaRPr lang="en-GB"/>
           </a:p>
@@ -2185,7 +2186,7 @@
           <p:cNvPr id="3" name="Footer Placeholder 2">
             <a:extLst>
               <a:ext uri="{FF2B5EF4-FFF2-40B4-BE49-F238E27FC236}">
-                <a16:creationId xmlns="" xmlns:a16="http://schemas.microsoft.com/office/drawing/2014/main" id="{22A31D88-AB79-CCD0-343F-59D873C6D07B}"/>
+                <a16:creationId xmlns:a16="http://schemas.microsoft.com/office/drawing/2014/main" xmlns="" id="{22A31D88-AB79-CCD0-343F-59D873C6D07B}"/>
               </a:ext>
             </a:extLst>
           </p:cNvPr>
@@ -2210,7 +2211,7 @@
           <p:cNvPr id="4" name="Slide Number Placeholder 3">
             <a:extLst>
               <a:ext uri="{FF2B5EF4-FFF2-40B4-BE49-F238E27FC236}">
-                <a16:creationId xmlns="" xmlns:a16="http://schemas.microsoft.com/office/drawing/2014/main" id="{0C86F72A-30D5-BB09-0510-CDE6556E019F}"/>
+                <a16:creationId xmlns:a16="http://schemas.microsoft.com/office/drawing/2014/main" xmlns="" id="{0C86F72A-30D5-BB09-0510-CDE6556E019F}"/>
               </a:ext>
             </a:extLst>
           </p:cNvPr>
@@ -2238,7 +2239,7 @@
     </p:spTree>
     <p:extLst>
       <p:ext uri="{BB962C8B-B14F-4D97-AF65-F5344CB8AC3E}">
-        <p14:creationId xmlns="" xmlns:p14="http://schemas.microsoft.com/office/powerpoint/2010/main" val="744898343"/>
+        <p14:creationId xmlns:p14="http://schemas.microsoft.com/office/powerpoint/2010/main" xmlns="" val="744898343"/>
       </p:ext>
     </p:extLst>
   </p:cSld>
@@ -2270,7 +2271,7 @@
           <p:cNvPr id="2" name="Title 1">
             <a:extLst>
               <a:ext uri="{FF2B5EF4-FFF2-40B4-BE49-F238E27FC236}">
-                <a16:creationId xmlns="" xmlns:a16="http://schemas.microsoft.com/office/drawing/2014/main" id="{FA1A3D6F-E1B4-2647-4B21-F9F7DC53A905}"/>
+                <a16:creationId xmlns:a16="http://schemas.microsoft.com/office/drawing/2014/main" xmlns="" id="{FA1A3D6F-E1B4-2647-4B21-F9F7DC53A905}"/>
               </a:ext>
             </a:extLst>
           </p:cNvPr>
@@ -2307,7 +2308,7 @@
           <p:cNvPr id="3" name="Content Placeholder 2">
             <a:extLst>
               <a:ext uri="{FF2B5EF4-FFF2-40B4-BE49-F238E27FC236}">
-                <a16:creationId xmlns="" xmlns:a16="http://schemas.microsoft.com/office/drawing/2014/main" id="{A90CF2EE-F97F-38FA-2907-0080CBF65455}"/>
+                <a16:creationId xmlns:a16="http://schemas.microsoft.com/office/drawing/2014/main" xmlns="" id="{A90CF2EE-F97F-38FA-2907-0080CBF65455}"/>
               </a:ext>
             </a:extLst>
           </p:cNvPr>
@@ -2397,7 +2398,7 @@
           <p:cNvPr id="4" name="Text Placeholder 3">
             <a:extLst>
               <a:ext uri="{FF2B5EF4-FFF2-40B4-BE49-F238E27FC236}">
-                <a16:creationId xmlns="" xmlns:a16="http://schemas.microsoft.com/office/drawing/2014/main" id="{768D1482-50AC-565C-198C-84AF24CA5D7A}"/>
+                <a16:creationId xmlns:a16="http://schemas.microsoft.com/office/drawing/2014/main" xmlns="" id="{768D1482-50AC-565C-198C-84AF24CA5D7A}"/>
               </a:ext>
             </a:extLst>
           </p:cNvPr>
@@ -2468,7 +2469,7 @@
           <p:cNvPr id="5" name="Date Placeholder 4">
             <a:extLst>
               <a:ext uri="{FF2B5EF4-FFF2-40B4-BE49-F238E27FC236}">
-                <a16:creationId xmlns="" xmlns:a16="http://schemas.microsoft.com/office/drawing/2014/main" id="{DF00D280-8CE2-A8B7-D4F3-198D719C0BED}"/>
+                <a16:creationId xmlns:a16="http://schemas.microsoft.com/office/drawing/2014/main" xmlns="" id="{DF00D280-8CE2-A8B7-D4F3-198D719C0BED}"/>
               </a:ext>
             </a:extLst>
           </p:cNvPr>
@@ -2487,7 +2488,7 @@
             <a:fld id="{4862FF9E-176D-4054-BBB8-3149401C51F7}" type="datetimeFigureOut">
               <a:rPr lang="en-GB" smtClean="0"/>
               <a:pPr/>
-              <a:t>06/07/2025</a:t>
+              <a:t>11/07/2025</a:t>
             </a:fld>
             <a:endParaRPr lang="en-GB"/>
           </a:p>
@@ -2498,7 +2499,7 @@
           <p:cNvPr id="6" name="Footer Placeholder 5">
             <a:extLst>
               <a:ext uri="{FF2B5EF4-FFF2-40B4-BE49-F238E27FC236}">
-                <a16:creationId xmlns="" xmlns:a16="http://schemas.microsoft.com/office/drawing/2014/main" id="{2D35FFA5-752B-C964-B5A4-AE83B2B47D18}"/>
+                <a16:creationId xmlns:a16="http://schemas.microsoft.com/office/drawing/2014/main" xmlns="" id="{2D35FFA5-752B-C964-B5A4-AE83B2B47D18}"/>
               </a:ext>
             </a:extLst>
           </p:cNvPr>
@@ -2523,7 +2524,7 @@
           <p:cNvPr id="7" name="Slide Number Placeholder 6">
             <a:extLst>
               <a:ext uri="{FF2B5EF4-FFF2-40B4-BE49-F238E27FC236}">
-                <a16:creationId xmlns="" xmlns:a16="http://schemas.microsoft.com/office/drawing/2014/main" id="{7333A22B-4B54-060F-9F36-B6B0AF14070C}"/>
+                <a16:creationId xmlns:a16="http://schemas.microsoft.com/office/drawing/2014/main" xmlns="" id="{7333A22B-4B54-060F-9F36-B6B0AF14070C}"/>
               </a:ext>
             </a:extLst>
           </p:cNvPr>
@@ -2551,7 +2552,7 @@
     </p:spTree>
     <p:extLst>
       <p:ext uri="{BB962C8B-B14F-4D97-AF65-F5344CB8AC3E}">
-        <p14:creationId xmlns="" xmlns:p14="http://schemas.microsoft.com/office/powerpoint/2010/main" val="573995572"/>
+        <p14:creationId xmlns:p14="http://schemas.microsoft.com/office/powerpoint/2010/main" xmlns="" val="573995572"/>
       </p:ext>
     </p:extLst>
   </p:cSld>
@@ -2583,7 +2584,7 @@
           <p:cNvPr id="2" name="Title 1">
             <a:extLst>
               <a:ext uri="{FF2B5EF4-FFF2-40B4-BE49-F238E27FC236}">
-                <a16:creationId xmlns="" xmlns:a16="http://schemas.microsoft.com/office/drawing/2014/main" id="{27A27798-DAC6-7874-6854-47D84E453423}"/>
+                <a16:creationId xmlns:a16="http://schemas.microsoft.com/office/drawing/2014/main" xmlns="" id="{27A27798-DAC6-7874-6854-47D84E453423}"/>
               </a:ext>
             </a:extLst>
           </p:cNvPr>
@@ -2620,7 +2621,7 @@
           <p:cNvPr id="3" name="Picture Placeholder 2">
             <a:extLst>
               <a:ext uri="{FF2B5EF4-FFF2-40B4-BE49-F238E27FC236}">
-                <a16:creationId xmlns="" xmlns:a16="http://schemas.microsoft.com/office/drawing/2014/main" id="{DB3142F1-7CE8-D612-8923-64D4F3988CA1}"/>
+                <a16:creationId xmlns:a16="http://schemas.microsoft.com/office/drawing/2014/main" xmlns="" id="{DB3142F1-7CE8-D612-8923-64D4F3988CA1}"/>
               </a:ext>
             </a:extLst>
           </p:cNvPr>
@@ -2687,7 +2688,7 @@
           <p:cNvPr id="4" name="Text Placeholder 3">
             <a:extLst>
               <a:ext uri="{FF2B5EF4-FFF2-40B4-BE49-F238E27FC236}">
-                <a16:creationId xmlns="" xmlns:a16="http://schemas.microsoft.com/office/drawing/2014/main" id="{7F9FC27B-6594-38EF-B91F-DE1BC481CD68}"/>
+                <a16:creationId xmlns:a16="http://schemas.microsoft.com/office/drawing/2014/main" xmlns="" id="{7F9FC27B-6594-38EF-B91F-DE1BC481CD68}"/>
               </a:ext>
             </a:extLst>
           </p:cNvPr>
@@ -2758,7 +2759,7 @@
           <p:cNvPr id="5" name="Date Placeholder 4">
             <a:extLst>
               <a:ext uri="{FF2B5EF4-FFF2-40B4-BE49-F238E27FC236}">
-                <a16:creationId xmlns="" xmlns:a16="http://schemas.microsoft.com/office/drawing/2014/main" id="{B394356C-C211-2476-A906-A3339DE40F4C}"/>
+                <a16:creationId xmlns:a16="http://schemas.microsoft.com/office/drawing/2014/main" xmlns="" id="{B394356C-C211-2476-A906-A3339DE40F4C}"/>
               </a:ext>
             </a:extLst>
           </p:cNvPr>
@@ -2777,7 +2778,7 @@
             <a:fld id="{4862FF9E-176D-4054-BBB8-3149401C51F7}" type="datetimeFigureOut">
               <a:rPr lang="en-GB" smtClean="0"/>
               <a:pPr/>
-              <a:t>06/07/2025</a:t>
+              <a:t>11/07/2025</a:t>
             </a:fld>
             <a:endParaRPr lang="en-GB"/>
           </a:p>
@@ -2788,7 +2789,7 @@
           <p:cNvPr id="6" name="Footer Placeholder 5">
             <a:extLst>
               <a:ext uri="{FF2B5EF4-FFF2-40B4-BE49-F238E27FC236}">
-                <a16:creationId xmlns="" xmlns:a16="http://schemas.microsoft.com/office/drawing/2014/main" id="{3FA29EA5-12E9-8DFD-E149-912523390FED}"/>
+                <a16:creationId xmlns:a16="http://schemas.microsoft.com/office/drawing/2014/main" xmlns="" id="{3FA29EA5-12E9-8DFD-E149-912523390FED}"/>
               </a:ext>
             </a:extLst>
           </p:cNvPr>
@@ -2813,7 +2814,7 @@
           <p:cNvPr id="7" name="Slide Number Placeholder 6">
             <a:extLst>
               <a:ext uri="{FF2B5EF4-FFF2-40B4-BE49-F238E27FC236}">
-                <a16:creationId xmlns="" xmlns:a16="http://schemas.microsoft.com/office/drawing/2014/main" id="{D5AEC20B-32A4-0D9F-8654-1D7186F5A0B7}"/>
+                <a16:creationId xmlns:a16="http://schemas.microsoft.com/office/drawing/2014/main" xmlns="" id="{D5AEC20B-32A4-0D9F-8654-1D7186F5A0B7}"/>
               </a:ext>
             </a:extLst>
           </p:cNvPr>
@@ -2841,7 +2842,7 @@
     </p:spTree>
     <p:extLst>
       <p:ext uri="{BB962C8B-B14F-4D97-AF65-F5344CB8AC3E}">
-        <p14:creationId xmlns="" xmlns:p14="http://schemas.microsoft.com/office/powerpoint/2010/main" val="3092379805"/>
+        <p14:creationId xmlns:p14="http://schemas.microsoft.com/office/powerpoint/2010/main" xmlns="" val="3092379805"/>
       </p:ext>
     </p:extLst>
   </p:cSld>
@@ -2878,7 +2879,7 @@
           <p:cNvPr id="2" name="Title Placeholder 1">
             <a:extLst>
               <a:ext uri="{FF2B5EF4-FFF2-40B4-BE49-F238E27FC236}">
-                <a16:creationId xmlns="" xmlns:a16="http://schemas.microsoft.com/office/drawing/2014/main" id="{C28913E9-C644-832F-296C-03F221D551B9}"/>
+                <a16:creationId xmlns:a16="http://schemas.microsoft.com/office/drawing/2014/main" xmlns="" id="{C28913E9-C644-832F-296C-03F221D551B9}"/>
               </a:ext>
             </a:extLst>
           </p:cNvPr>
@@ -2916,7 +2917,7 @@
           <p:cNvPr id="3" name="Text Placeholder 2">
             <a:extLst>
               <a:ext uri="{FF2B5EF4-FFF2-40B4-BE49-F238E27FC236}">
-                <a16:creationId xmlns="" xmlns:a16="http://schemas.microsoft.com/office/drawing/2014/main" id="{49092515-8776-3B20-8A3C-E359859D20FE}"/>
+                <a16:creationId xmlns:a16="http://schemas.microsoft.com/office/drawing/2014/main" xmlns="" id="{49092515-8776-3B20-8A3C-E359859D20FE}"/>
               </a:ext>
             </a:extLst>
           </p:cNvPr>
@@ -2983,7 +2984,7 @@
           <p:cNvPr id="4" name="Date Placeholder 3">
             <a:extLst>
               <a:ext uri="{FF2B5EF4-FFF2-40B4-BE49-F238E27FC236}">
-                <a16:creationId xmlns="" xmlns:a16="http://schemas.microsoft.com/office/drawing/2014/main" id="{56EA874B-2B55-75E1-3AAE-B1351C51B77B}"/>
+                <a16:creationId xmlns:a16="http://schemas.microsoft.com/office/drawing/2014/main" xmlns="" id="{56EA874B-2B55-75E1-3AAE-B1351C51B77B}"/>
               </a:ext>
             </a:extLst>
           </p:cNvPr>
@@ -3020,7 +3021,7 @@
             <a:fld id="{4862FF9E-176D-4054-BBB8-3149401C51F7}" type="datetimeFigureOut">
               <a:rPr lang="en-GB" smtClean="0"/>
               <a:pPr/>
-              <a:t>06/07/2025</a:t>
+              <a:t>11/07/2025</a:t>
             </a:fld>
             <a:endParaRPr lang="en-GB"/>
           </a:p>
@@ -3031,7 +3032,7 @@
           <p:cNvPr id="5" name="Footer Placeholder 4">
             <a:extLst>
               <a:ext uri="{FF2B5EF4-FFF2-40B4-BE49-F238E27FC236}">
-                <a16:creationId xmlns="" xmlns:a16="http://schemas.microsoft.com/office/drawing/2014/main" id="{11E408DA-4A59-0714-E128-76A384DD7BB4}"/>
+                <a16:creationId xmlns:a16="http://schemas.microsoft.com/office/drawing/2014/main" xmlns="" id="{11E408DA-4A59-0714-E128-76A384DD7BB4}"/>
               </a:ext>
             </a:extLst>
           </p:cNvPr>
@@ -3074,7 +3075,7 @@
           <p:cNvPr id="6" name="Slide Number Placeholder 5">
             <a:extLst>
               <a:ext uri="{FF2B5EF4-FFF2-40B4-BE49-F238E27FC236}">
-                <a16:creationId xmlns="" xmlns:a16="http://schemas.microsoft.com/office/drawing/2014/main" id="{7C2525D6-709F-F0A7-B123-A7082403151D}"/>
+                <a16:creationId xmlns:a16="http://schemas.microsoft.com/office/drawing/2014/main" xmlns="" id="{7C2525D6-709F-F0A7-B123-A7082403151D}"/>
               </a:ext>
             </a:extLst>
           </p:cNvPr>
@@ -3122,7 +3123,7 @@
           <p:cNvPr id="8" name="TextBox 7">
             <a:extLst>
               <a:ext uri="{FF2B5EF4-FFF2-40B4-BE49-F238E27FC236}">
-                <a16:creationId xmlns="" xmlns:a16="http://schemas.microsoft.com/office/drawing/2014/main" id="{0AA4291E-02D9-BCA5-C14C-55E48017A1BA}"/>
+                <a16:creationId xmlns:a16="http://schemas.microsoft.com/office/drawing/2014/main" xmlns="" id="{0AA4291E-02D9-BCA5-C14C-55E48017A1BA}"/>
               </a:ext>
             </a:extLst>
           </p:cNvPr>
@@ -3130,7 +3131,7 @@
           <p:nvPr userDrawn="1">
             <p:extLst>
               <p:ext uri="{1162E1C5-73C7-4A58-AE30-91384D911F3F}">
-                <p184:classification xmlns="" xmlns:p184="http://schemas.microsoft.com/office/powerpoint/2018/4/main" val="hdr"/>
+                <p184:classification xmlns:p184="http://schemas.microsoft.com/office/powerpoint/2018/4/main" xmlns="" val="hdr"/>
               </p:ext>
             </p:extLst>
           </p:nvPr>
@@ -3168,7 +3169,7 @@
     </p:spTree>
     <p:extLst>
       <p:ext uri="{BB962C8B-B14F-4D97-AF65-F5344CB8AC3E}">
-        <p14:creationId xmlns="" xmlns:p14="http://schemas.microsoft.com/office/powerpoint/2010/main" val="3217321324"/>
+        <p14:creationId xmlns:p14="http://schemas.microsoft.com/office/powerpoint/2010/main" xmlns="" val="3217321324"/>
       </p:ext>
     </p:extLst>
   </p:cSld>
@@ -3491,7 +3492,7 @@
           <p:cNvPr id="1026" name="Picture 2" descr="Sikhism religious symbol black and ...">
             <a:extLst>
               <a:ext uri="{FF2B5EF4-FFF2-40B4-BE49-F238E27FC236}">
-                <a16:creationId xmlns="" xmlns:a16="http://schemas.microsoft.com/office/drawing/2014/main" id="{15FA5003-5F01-5EC3-65A8-C842686878D7}"/>
+                <a16:creationId xmlns:a16="http://schemas.microsoft.com/office/drawing/2014/main" xmlns="" id="{15FA5003-5F01-5EC3-65A8-C842686878D7}"/>
               </a:ext>
             </a:extLst>
           </p:cNvPr>
@@ -3504,7 +3505,7 @@
           <a:blip r:embed="rId2">
             <a:extLst>
               <a:ext uri="{28A0092B-C50C-407E-A947-70E740481C1C}">
-                <a14:useLocalDpi xmlns="" xmlns:a14="http://schemas.microsoft.com/office/drawing/2010/main" val="0"/>
+                <a14:useLocalDpi xmlns:a14="http://schemas.microsoft.com/office/drawing/2010/main" xmlns="" val="0"/>
               </a:ext>
             </a:extLst>
           </a:blip>
@@ -3524,7 +3525,7 @@
           <a:noFill/>
           <a:extLst>
             <a:ext uri="{909E8E84-426E-40DD-AFC4-6F175D3DCCD1}">
-              <a14:hiddenFill xmlns="" xmlns:a14="http://schemas.microsoft.com/office/drawing/2010/main">
+              <a14:hiddenFill xmlns:a14="http://schemas.microsoft.com/office/drawing/2010/main" xmlns="">
                 <a:solidFill>
                   <a:srgbClr val="FFFFFF"/>
                 </a:solidFill>
@@ -3538,7 +3539,7 @@
           <p:cNvPr id="4" name="TextBox 3">
             <a:extLst>
               <a:ext uri="{FF2B5EF4-FFF2-40B4-BE49-F238E27FC236}">
-                <a16:creationId xmlns="" xmlns:a16="http://schemas.microsoft.com/office/drawing/2014/main" id="{4F682371-FBAD-1319-273E-24FE661829F8}"/>
+                <a16:creationId xmlns:a16="http://schemas.microsoft.com/office/drawing/2014/main" xmlns="" id="{4F682371-FBAD-1319-273E-24FE661829F8}"/>
               </a:ext>
             </a:extLst>
           </p:cNvPr>
@@ -3591,7 +3592,7 @@
           <p:cNvPr id="2" name="Picture 2" descr="Gurudwara Stock Illustrations – 226 Gurudwara Stock Illustrations, Vectors  &amp; Clipart - Dreamstime">
             <a:extLst>
               <a:ext uri="{FF2B5EF4-FFF2-40B4-BE49-F238E27FC236}">
-                <a16:creationId xmlns="" xmlns:a16="http://schemas.microsoft.com/office/drawing/2014/main" id="{B105BCA0-ED7E-B5C3-8ACB-23FFD9C55D9C}"/>
+                <a16:creationId xmlns:a16="http://schemas.microsoft.com/office/drawing/2014/main" xmlns="" id="{B105BCA0-ED7E-B5C3-8ACB-23FFD9C55D9C}"/>
               </a:ext>
             </a:extLst>
           </p:cNvPr>
@@ -3605,7 +3606,7 @@
             <a:alphaModFix/>
             <a:extLst>
               <a:ext uri="{BEBA8EAE-BF5A-486C-A8C5-ECC9F3942E4B}">
-                <a14:imgProps xmlns="" xmlns:a14="http://schemas.microsoft.com/office/drawing/2010/main">
+                <a14:imgProps xmlns:a14="http://schemas.microsoft.com/office/drawing/2010/main" xmlns="">
                   <a14:imgLayer r:embed="rId4">
                     <a14:imgEffect>
                       <a14:sharpenSoften amount="100000"/>
@@ -3623,7 +3624,7 @@
                 </a14:imgProps>
               </a:ext>
               <a:ext uri="{28A0092B-C50C-407E-A947-70E740481C1C}">
-                <a14:useLocalDpi xmlns="" xmlns:a14="http://schemas.microsoft.com/office/drawing/2010/main" val="0"/>
+                <a14:useLocalDpi xmlns:a14="http://schemas.microsoft.com/office/drawing/2010/main" xmlns="" val="0"/>
               </a:ext>
             </a:extLst>
           </a:blip>
@@ -3641,7 +3642,7 @@
           <a:noFill/>
           <a:extLst>
             <a:ext uri="{909E8E84-426E-40DD-AFC4-6F175D3DCCD1}">
-              <a14:hiddenFill xmlns="" xmlns:a14="http://schemas.microsoft.com/office/drawing/2010/main">
+              <a14:hiddenFill xmlns:a14="http://schemas.microsoft.com/office/drawing/2010/main" xmlns="">
                 <a:solidFill>
                   <a:srgbClr val="FFFFFF"/>
                 </a:solidFill>
@@ -3655,7 +3656,7 @@
           <p:cNvPr id="3" name="Rectangle 2">
             <a:extLst>
               <a:ext uri="{FF2B5EF4-FFF2-40B4-BE49-F238E27FC236}">
-                <a16:creationId xmlns="" xmlns:a16="http://schemas.microsoft.com/office/drawing/2014/main" id="{40D0C218-81B6-E0A1-4692-BAC75CBCB6C4}"/>
+                <a16:creationId xmlns:a16="http://schemas.microsoft.com/office/drawing/2014/main" xmlns="" id="{40D0C218-81B6-E0A1-4692-BAC75CBCB6C4}"/>
               </a:ext>
             </a:extLst>
           </p:cNvPr>
@@ -3702,7 +3703,7 @@
           <p:cNvPr id="5" name="TextBox 4">
             <a:extLst>
               <a:ext uri="{FF2B5EF4-FFF2-40B4-BE49-F238E27FC236}">
-                <a16:creationId xmlns="" xmlns:a16="http://schemas.microsoft.com/office/drawing/2014/main" id="{6E2E47A3-168B-A0FA-9912-C6351CFAB6F7}"/>
+                <a16:creationId xmlns:a16="http://schemas.microsoft.com/office/drawing/2014/main" xmlns="" id="{6E2E47A3-168B-A0FA-9912-C6351CFAB6F7}"/>
               </a:ext>
             </a:extLst>
           </p:cNvPr>
@@ -3755,7 +3756,7 @@
           <p:cNvPr id="7" name="Rectangle 6">
             <a:extLst>
               <a:ext uri="{FF2B5EF4-FFF2-40B4-BE49-F238E27FC236}">
-                <a16:creationId xmlns="" xmlns:a16="http://schemas.microsoft.com/office/drawing/2014/main" id="{40D0C218-81B6-E0A1-4692-BAC75CBCB6C4}"/>
+                <a16:creationId xmlns:a16="http://schemas.microsoft.com/office/drawing/2014/main" xmlns="" id="{40D0C218-81B6-E0A1-4692-BAC75CBCB6C4}"/>
               </a:ext>
             </a:extLst>
           </p:cNvPr>
@@ -3835,7 +3836,7 @@
           <p:cNvPr id="10" name="TextBox 9">
             <a:extLst>
               <a:ext uri="{FF2B5EF4-FFF2-40B4-BE49-F238E27FC236}">
-                <a16:creationId xmlns="" xmlns:a16="http://schemas.microsoft.com/office/drawing/2014/main" id="{4F682371-FBAD-1319-273E-24FE661829F8}"/>
+                <a16:creationId xmlns:a16="http://schemas.microsoft.com/office/drawing/2014/main" xmlns="" id="{4F682371-FBAD-1319-273E-24FE661829F8}"/>
               </a:ext>
             </a:extLst>
           </p:cNvPr>
@@ -3882,7 +3883,7 @@
           <p:cNvPr id="11" name="Rectangle 10">
             <a:extLst>
               <a:ext uri="{FF2B5EF4-FFF2-40B4-BE49-F238E27FC236}">
-                <a16:creationId xmlns="" xmlns:a16="http://schemas.microsoft.com/office/drawing/2014/main" id="{40D0C218-81B6-E0A1-4692-BAC75CBCB6C4}"/>
+                <a16:creationId xmlns:a16="http://schemas.microsoft.com/office/drawing/2014/main" xmlns="" id="{40D0C218-81B6-E0A1-4692-BAC75CBCB6C4}"/>
               </a:ext>
             </a:extLst>
           </p:cNvPr>
@@ -3986,7 +3987,7 @@
     </p:spTree>
     <p:extLst>
       <p:ext uri="{BB962C8B-B14F-4D97-AF65-F5344CB8AC3E}">
-        <p14:creationId xmlns="" xmlns:p14="http://schemas.microsoft.com/office/powerpoint/2010/main" val="1763828946"/>
+        <p14:creationId xmlns:p14="http://schemas.microsoft.com/office/powerpoint/2010/main" xmlns="" val="1763828946"/>
       </p:ext>
     </p:extLst>
   </p:cSld>
@@ -4022,14 +4023,26 @@
       </p:grpSpPr>
       <p:pic>
         <p:nvPicPr>
-          <p:cNvPr id="1026" name="Picture 2" descr="C:\Users\Hp\Desktop\SikhsinUAE\pictures\EK ONKAR Golden.png"/>
+          <p:cNvPr id="1026" name="Picture 2" descr="Sikhism religious symbol black and ...">
+            <a:extLst>
+              <a:ext uri="{FF2B5EF4-FFF2-40B4-BE49-F238E27FC236}">
+                <a16:creationId xmlns:a16="http://schemas.microsoft.com/office/drawing/2014/main" xmlns="" id="{15FA5003-5F01-5EC3-65A8-C842686878D7}"/>
+              </a:ext>
+            </a:extLst>
+          </p:cNvPr>
           <p:cNvPicPr>
             <a:picLocks noChangeAspect="1" noChangeArrowheads="1"/>
           </p:cNvPicPr>
           <p:nvPr/>
         </p:nvPicPr>
         <p:blipFill>
-          <a:blip r:embed="rId2"/>
+          <a:blip r:embed="rId2">
+            <a:extLst>
+              <a:ext uri="{28A0092B-C50C-407E-A947-70E740481C1C}">
+                <a14:useLocalDpi xmlns:a14="http://schemas.microsoft.com/office/drawing/2010/main" xmlns="" val="0"/>
+              </a:ext>
+            </a:extLst>
+          </a:blip>
           <a:srcRect/>
           <a:stretch>
             <a:fillRect/>
@@ -4037,25 +4050,40 @@
         </p:blipFill>
         <p:spPr bwMode="auto">
           <a:xfrm>
-            <a:off x="0" y="1167033"/>
-            <a:ext cx="4000500" cy="2667000"/>
+            <a:off x="2306385" y="3178122"/>
+            <a:ext cx="1005638" cy="1191145"/>
           </a:xfrm>
           <a:prstGeom prst="rect">
             <a:avLst/>
           </a:prstGeom>
           <a:noFill/>
+          <a:extLst>
+            <a:ext uri="{909E8E84-426E-40DD-AFC4-6F175D3DCCD1}">
+              <a14:hiddenFill xmlns:a14="http://schemas.microsoft.com/office/drawing/2010/main" xmlns="">
+                <a:solidFill>
+                  <a:srgbClr val="FFFFFF"/>
+                </a:solidFill>
+              </a14:hiddenFill>
+            </a:ext>
+          </a:extLst>
         </p:spPr>
       </p:pic>
       <p:sp>
         <p:nvSpPr>
-          <p:cNvPr id="5" name="TextBox 4"/>
+          <p:cNvPr id="4" name="TextBox 3">
+            <a:extLst>
+              <a:ext uri="{FF2B5EF4-FFF2-40B4-BE49-F238E27FC236}">
+                <a16:creationId xmlns:a16="http://schemas.microsoft.com/office/drawing/2014/main" xmlns="" id="{4F682371-FBAD-1319-273E-24FE661829F8}"/>
+              </a:ext>
+            </a:extLst>
+          </p:cNvPr>
           <p:cNvSpPr txBox="1"/>
           <p:nvPr/>
         </p:nvSpPr>
         <p:spPr>
           <a:xfrm>
-            <a:off x="3497295" y="1378634"/>
-            <a:ext cx="8109912" cy="2015936"/>
+            <a:off x="3818459" y="3097908"/>
+            <a:ext cx="2012090" cy="1323439"/>
           </a:xfrm>
           <a:prstGeom prst="rect">
             <a:avLst/>
@@ -4068,42 +4096,121 @@
           </a:bodyPr>
           <a:lstStyle/>
           <a:p>
-            <a:r>
-              <a:rPr lang="en-IN" sz="12500" b="1" dirty="0" smtClean="0">
+            <a:pPr algn="ctr"/>
+            <a:r>
+              <a:rPr lang="en-GB" sz="4000" b="1" dirty="0">
                 <a:solidFill>
-                  <a:srgbClr val="CC6600"/>
+                  <a:srgbClr val="C00000"/>
                 </a:solidFill>
+                <a:latin typeface="Century Gothic" panose="020B0502020202020204" pitchFamily="34" charset="0"/>
               </a:rPr>
-              <a:t>IK ONKAR</a:t>
-            </a:r>
-            <a:endParaRPr lang="en-US" sz="12500" b="1" dirty="0">
-              <a:solidFill>
-                <a:srgbClr val="CC6600"/>
-              </a:solidFill>
-            </a:endParaRPr>
-          </a:p>
-        </p:txBody>
-      </p:sp>
-      <p:sp>
-        <p:nvSpPr>
-          <p:cNvPr id="6" name="Rectangle 5"/>
-          <p:cNvSpPr/>
+              <a:t>About</a:t>
+            </a:r>
+          </a:p>
+          <a:p>
+            <a:pPr algn="ctr"/>
+            <a:r>
+              <a:rPr lang="en-GB" sz="4000" b="1" dirty="0">
+                <a:solidFill>
+                  <a:srgbClr val="C00000"/>
+                </a:solidFill>
+                <a:latin typeface="Century Gothic" panose="020B0502020202020204" pitchFamily="34" charset="0"/>
+              </a:rPr>
+              <a:t>Sikhism</a:t>
+            </a:r>
+          </a:p>
+        </p:txBody>
+      </p:sp>
+      <p:pic>
+        <p:nvPicPr>
+          <p:cNvPr id="2" name="Picture 2" descr="Gurudwara Stock Illustrations – 226 Gurudwara Stock Illustrations, Vectors  &amp; Clipart - Dreamstime">
+            <a:extLst>
+              <a:ext uri="{FF2B5EF4-FFF2-40B4-BE49-F238E27FC236}">
+                <a16:creationId xmlns:a16="http://schemas.microsoft.com/office/drawing/2014/main" xmlns="" id="{B105BCA0-ED7E-B5C3-8ACB-23FFD9C55D9C}"/>
+              </a:ext>
+            </a:extLst>
+          </p:cNvPr>
+          <p:cNvPicPr>
+            <a:picLocks noChangeAspect="1" noChangeArrowheads="1"/>
+          </p:cNvPicPr>
           <p:nvPr/>
-        </p:nvSpPr>
-        <p:spPr>
-          <a:xfrm>
-            <a:off x="787791" y="1280159"/>
-            <a:ext cx="11000935" cy="3137095"/>
+        </p:nvPicPr>
+        <p:blipFill rotWithShape="1">
+          <a:blip r:embed="rId3">
+            <a:alphaModFix/>
+            <a:extLst>
+              <a:ext uri="{BEBA8EAE-BF5A-486C-A8C5-ECC9F3942E4B}">
+                <a14:imgProps xmlns:a14="http://schemas.microsoft.com/office/drawing/2010/main" xmlns="">
+                  <a14:imgLayer r:embed="rId4">
+                    <a14:imgEffect>
+                      <a14:sharpenSoften amount="100000"/>
+                    </a14:imgEffect>
+                    <a14:imgEffect>
+                      <a14:colorTemperature colorTemp="6552"/>
+                    </a14:imgEffect>
+                    <a14:imgEffect>
+                      <a14:saturation sat="84000"/>
+                    </a14:imgEffect>
+                    <a14:imgEffect>
+                      <a14:brightnessContrast contrast="100000"/>
+                    </a14:imgEffect>
+                  </a14:imgLayer>
+                </a14:imgProps>
+              </a:ext>
+              <a:ext uri="{28A0092B-C50C-407E-A947-70E740481C1C}">
+                <a14:useLocalDpi xmlns:a14="http://schemas.microsoft.com/office/drawing/2010/main" xmlns="" val="0"/>
+              </a:ext>
+            </a:extLst>
+          </a:blip>
+          <a:srcRect l="6835" t="10099" r="7079" b="10336"/>
+          <a:stretch/>
+        </p:blipFill>
+        <p:spPr bwMode="auto">
+          <a:xfrm>
+            <a:off x="2003707" y="1288937"/>
+            <a:ext cx="1512491" cy="1189992"/>
           </a:xfrm>
           <a:prstGeom prst="rect">
             <a:avLst/>
           </a:prstGeom>
           <a:noFill/>
+          <a:extLst>
+            <a:ext uri="{909E8E84-426E-40DD-AFC4-6F175D3DCCD1}">
+              <a14:hiddenFill xmlns:a14="http://schemas.microsoft.com/office/drawing/2010/main" xmlns="">
+                <a:solidFill>
+                  <a:srgbClr val="FFFFFF"/>
+                </a:solidFill>
+              </a14:hiddenFill>
+            </a:ext>
+          </a:extLst>
+        </p:spPr>
+      </p:pic>
+      <p:sp>
+        <p:nvSpPr>
+          <p:cNvPr id="3" name="Rectangle 2">
+            <a:extLst>
+              <a:ext uri="{FF2B5EF4-FFF2-40B4-BE49-F238E27FC236}">
+                <a16:creationId xmlns:a16="http://schemas.microsoft.com/office/drawing/2014/main" xmlns="" id="{40D0C218-81B6-E0A1-4692-BAC75CBCB6C4}"/>
+              </a:ext>
+            </a:extLst>
+          </p:cNvPr>
+          <p:cNvSpPr/>
+          <p:nvPr/>
+        </p:nvSpPr>
+        <p:spPr>
+          <a:xfrm>
+            <a:off x="1900719" y="1078787"/>
+            <a:ext cx="4572000" cy="1613042"/>
+          </a:xfrm>
+          <a:prstGeom prst="rect">
+            <a:avLst/>
+          </a:prstGeom>
+          <a:noFill/>
         </p:spPr>
         <p:style>
           <a:lnRef idx="2">
             <a:schemeClr val="accent1">
-              <a:shade val="50000"/>
+              <a:shade val="15000"/>
             </a:schemeClr>
           </a:lnRef>
           <a:fillRef idx="1">
@@ -4121,49 +4228,287 @@
           <a:lstStyle/>
           <a:p>
             <a:pPr algn="ctr"/>
-            <a:endParaRPr lang="en-US"/>
-          </a:p>
-        </p:txBody>
-      </p:sp>
-      <p:sp>
-        <p:nvSpPr>
-          <p:cNvPr id="7" name="Rectangle 6"/>
-          <p:cNvSpPr/>
+            <a:endParaRPr lang="en-GB"/>
+          </a:p>
+        </p:txBody>
+      </p:sp>
+      <p:sp>
+        <p:nvSpPr>
+          <p:cNvPr id="5" name="TextBox 4">
+            <a:extLst>
+              <a:ext uri="{FF2B5EF4-FFF2-40B4-BE49-F238E27FC236}">
+                <a16:creationId xmlns:a16="http://schemas.microsoft.com/office/drawing/2014/main" xmlns="" id="{6E2E47A3-168B-A0FA-9912-C6351CFAB6F7}"/>
+              </a:ext>
+            </a:extLst>
+          </p:cNvPr>
+          <p:cNvSpPr txBox="1"/>
           <p:nvPr/>
         </p:nvSpPr>
         <p:spPr>
           <a:xfrm>
-            <a:off x="858130" y="3258400"/>
-            <a:ext cx="10775852" cy="1015663"/>
+            <a:off x="3176483" y="1221638"/>
+            <a:ext cx="3209532" cy="1323439"/>
           </a:xfrm>
           <a:prstGeom prst="rect">
             <a:avLst/>
           </a:prstGeom>
-        </p:spPr>
-        <p:txBody>
-          <a:bodyPr wrap="square">
+          <a:noFill/>
+        </p:spPr>
+        <p:txBody>
+          <a:bodyPr wrap="none" rtlCol="0">
             <a:spAutoFit/>
           </a:bodyPr>
           <a:lstStyle/>
           <a:p>
             <a:pPr algn="ctr"/>
             <a:r>
-              <a:rPr lang="en-US" sz="6000" b="1" dirty="0" smtClean="0">
+              <a:rPr lang="en-GB" sz="4000" b="1" dirty="0">
                 <a:solidFill>
-                  <a:schemeClr val="bg1"/>
+                  <a:srgbClr val="C00000"/>
                 </a:solidFill>
+                <a:latin typeface="Century Gothic" panose="020B0502020202020204" pitchFamily="34" charset="0"/>
               </a:rPr>
-              <a:t>There is only one God</a:t>
-            </a:r>
-            <a:endParaRPr lang="en-US" sz="6000" b="1" dirty="0">
+              <a:t>Gurudwaras</a:t>
+            </a:r>
+          </a:p>
+          <a:p>
+            <a:pPr algn="ctr"/>
+            <a:r>
+              <a:rPr lang="en-GB" sz="4000" b="1" dirty="0">
+                <a:solidFill>
+                  <a:srgbClr val="C00000"/>
+                </a:solidFill>
+                <a:latin typeface="Century Gothic" panose="020B0502020202020204" pitchFamily="34" charset="0"/>
+              </a:rPr>
+              <a:t>in UAE</a:t>
+            </a:r>
+          </a:p>
+        </p:txBody>
+      </p:sp>
+      <p:sp>
+        <p:nvSpPr>
+          <p:cNvPr id="7" name="Rectangle 6">
+            <a:extLst>
+              <a:ext uri="{FF2B5EF4-FFF2-40B4-BE49-F238E27FC236}">
+                <a16:creationId xmlns:a16="http://schemas.microsoft.com/office/drawing/2014/main" xmlns="" id="{40D0C218-81B6-E0A1-4692-BAC75CBCB6C4}"/>
+              </a:ext>
+            </a:extLst>
+          </p:cNvPr>
+          <p:cNvSpPr/>
+          <p:nvPr/>
+        </p:nvSpPr>
+        <p:spPr>
+          <a:xfrm>
+            <a:off x="1870239" y="2933377"/>
+            <a:ext cx="4572000" cy="1613042"/>
+          </a:xfrm>
+          <a:prstGeom prst="rect">
+            <a:avLst/>
+          </a:prstGeom>
+          <a:noFill/>
+        </p:spPr>
+        <p:style>
+          <a:lnRef idx="2">
+            <a:schemeClr val="accent1">
+              <a:shade val="15000"/>
+            </a:schemeClr>
+          </a:lnRef>
+          <a:fillRef idx="1">
+            <a:schemeClr val="accent1"/>
+          </a:fillRef>
+          <a:effectRef idx="0">
+            <a:schemeClr val="accent1"/>
+          </a:effectRef>
+          <a:fontRef idx="minor">
+            <a:schemeClr val="lt1"/>
+          </a:fontRef>
+        </p:style>
+        <p:txBody>
+          <a:bodyPr rtlCol="0" anchor="ctr"/>
+          <a:lstStyle/>
+          <a:p>
+            <a:pPr algn="ctr"/>
+            <a:endParaRPr lang="en-GB"/>
+          </a:p>
+        </p:txBody>
+      </p:sp>
+      <p:pic>
+        <p:nvPicPr>
+          <p:cNvPr id="2050" name="Picture 2"/>
+          <p:cNvPicPr>
+            <a:picLocks noChangeAspect="1" noChangeArrowheads="1"/>
+          </p:cNvPicPr>
+          <p:nvPr/>
+        </p:nvPicPr>
+        <p:blipFill>
+          <a:blip r:embed="rId5"/>
+          <a:srcRect/>
+          <a:stretch>
+            <a:fillRect/>
+          </a:stretch>
+        </p:blipFill>
+        <p:spPr bwMode="auto">
+          <a:xfrm>
+            <a:off x="8321089" y="1570990"/>
+            <a:ext cx="2333625" cy="2990850"/>
+          </a:xfrm>
+          <a:prstGeom prst="rect">
+            <a:avLst/>
+          </a:prstGeom>
+          <a:noFill/>
+          <a:ln w="9525">
+            <a:noFill/>
+            <a:miter lim="800000"/>
+            <a:headEnd/>
+            <a:tailEnd/>
+          </a:ln>
+          <a:effectLst/>
+        </p:spPr>
+      </p:pic>
+      <p:sp>
+        <p:nvSpPr>
+          <p:cNvPr id="10" name="TextBox 9">
+            <a:extLst>
+              <a:ext uri="{FF2B5EF4-FFF2-40B4-BE49-F238E27FC236}">
+                <a16:creationId xmlns:a16="http://schemas.microsoft.com/office/drawing/2014/main" xmlns="" id="{4F682371-FBAD-1319-273E-24FE661829F8}"/>
+              </a:ext>
+            </a:extLst>
+          </p:cNvPr>
+          <p:cNvSpPr txBox="1"/>
+          <p:nvPr/>
+        </p:nvSpPr>
+        <p:spPr>
+          <a:xfrm>
+            <a:off x="3615397" y="4754880"/>
+            <a:ext cx="2743200" cy="1569660"/>
+          </a:xfrm>
+          <a:prstGeom prst="rect">
+            <a:avLst/>
+          </a:prstGeom>
+          <a:noFill/>
+        </p:spPr>
+        <p:txBody>
+          <a:bodyPr wrap="square" rtlCol="0">
+            <a:spAutoFit/>
+          </a:bodyPr>
+          <a:lstStyle/>
+          <a:p>
+            <a:pPr algn="ctr"/>
+            <a:r>
+              <a:rPr lang="en-US" sz="3200" b="1" dirty="0" smtClean="0">
+                <a:solidFill>
+                  <a:srgbClr val="C00000"/>
+                </a:solidFill>
+                <a:latin typeface="Century Gothic" panose="020B0502020202020204" pitchFamily="34" charset="0"/>
+              </a:rPr>
+              <a:t>Sikh </a:t>
+            </a:r>
+            <a:r>
+              <a:rPr lang="en-US" sz="3200" b="1" dirty="0" err="1" smtClean="0">
+                <a:solidFill>
+                  <a:srgbClr val="C00000"/>
+                </a:solidFill>
+                <a:latin typeface="Century Gothic" panose="020B0502020202020204" pitchFamily="34" charset="0"/>
+              </a:rPr>
+              <a:t>Matrimonials</a:t>
+            </a:r>
+            <a:r>
+              <a:rPr lang="en-US" sz="3200" b="1" dirty="0" smtClean="0">
+                <a:solidFill>
+                  <a:srgbClr val="C00000"/>
+                </a:solidFill>
+                <a:latin typeface="Century Gothic" panose="020B0502020202020204" pitchFamily="34" charset="0"/>
+              </a:rPr>
+              <a:t> for UAE</a:t>
+            </a:r>
+            <a:endParaRPr lang="en-GB" sz="3200" b="1" dirty="0">
               <a:solidFill>
-                <a:schemeClr val="bg1"/>
+                <a:srgbClr val="C00000"/>
               </a:solidFill>
+              <a:latin typeface="Century Gothic" panose="020B0502020202020204" pitchFamily="34" charset="0"/>
             </a:endParaRPr>
           </a:p>
         </p:txBody>
       </p:sp>
+      <p:sp>
+        <p:nvSpPr>
+          <p:cNvPr id="11" name="Rectangle 10">
+            <a:extLst>
+              <a:ext uri="{FF2B5EF4-FFF2-40B4-BE49-F238E27FC236}">
+                <a16:creationId xmlns:a16="http://schemas.microsoft.com/office/drawing/2014/main" xmlns="" id="{40D0C218-81B6-E0A1-4692-BAC75CBCB6C4}"/>
+              </a:ext>
+            </a:extLst>
+          </p:cNvPr>
+          <p:cNvSpPr/>
+          <p:nvPr/>
+        </p:nvSpPr>
+        <p:spPr>
+          <a:xfrm>
+            <a:off x="1853827" y="4717629"/>
+            <a:ext cx="4572000" cy="1613042"/>
+          </a:xfrm>
+          <a:prstGeom prst="rect">
+            <a:avLst/>
+          </a:prstGeom>
+          <a:noFill/>
+        </p:spPr>
+        <p:style>
+          <a:lnRef idx="2">
+            <a:schemeClr val="accent1">
+              <a:shade val="15000"/>
+            </a:schemeClr>
+          </a:lnRef>
+          <a:fillRef idx="1">
+            <a:schemeClr val="accent1"/>
+          </a:fillRef>
+          <a:effectRef idx="0">
+            <a:schemeClr val="accent1"/>
+          </a:effectRef>
+          <a:fontRef idx="minor">
+            <a:schemeClr val="lt1"/>
+          </a:fontRef>
+        </p:style>
+        <p:txBody>
+          <a:bodyPr rtlCol="0" anchor="ctr"/>
+          <a:lstStyle/>
+          <a:p>
+            <a:pPr algn="ctr"/>
+            <a:endParaRPr lang="en-GB"/>
+          </a:p>
+        </p:txBody>
+      </p:sp>
+      <p:pic>
+        <p:nvPicPr>
+          <p:cNvPr id="6" name="Picture 2" descr="C:\Users\Hp\Desktop\SikhMatrimonials.jpg"/>
+          <p:cNvPicPr>
+            <a:picLocks noChangeAspect="1" noChangeArrowheads="1"/>
+          </p:cNvPicPr>
+          <p:nvPr/>
+        </p:nvPicPr>
+        <p:blipFill>
+          <a:blip r:embed="rId6"/>
+          <a:srcRect/>
+          <a:stretch>
+            <a:fillRect/>
+          </a:stretch>
+        </p:blipFill>
+        <p:spPr bwMode="auto">
+          <a:xfrm>
+            <a:off x="2043113" y="4832373"/>
+            <a:ext cx="1385887" cy="1425552"/>
+          </a:xfrm>
+          <a:prstGeom prst="rect">
+            <a:avLst/>
+          </a:prstGeom>
+          <a:noFill/>
+        </p:spPr>
+      </p:pic>
     </p:spTree>
+    <p:extLst>
+      <p:ext uri="{BB962C8B-B14F-4D97-AF65-F5344CB8AC3E}">
+        <p14:creationId xmlns:p14="http://schemas.microsoft.com/office/powerpoint/2010/main" xmlns="" val="1763828946"/>
+      </p:ext>
+    </p:extLst>
   </p:cSld>
   <p:clrMapOvr>
     <a:masterClrMapping/>
@@ -4195,6 +4540,181 @@
           <a:chExt cx="0" cy="0"/>
         </a:xfrm>
       </p:grpSpPr>
+      <p:pic>
+        <p:nvPicPr>
+          <p:cNvPr id="1026" name="Picture 2" descr="C:\Users\Hp\Desktop\SikhsinUAE\pictures\EK ONKAR Golden.png"/>
+          <p:cNvPicPr>
+            <a:picLocks noChangeAspect="1" noChangeArrowheads="1"/>
+          </p:cNvPicPr>
+          <p:nvPr/>
+        </p:nvPicPr>
+        <p:blipFill>
+          <a:blip r:embed="rId2"/>
+          <a:srcRect/>
+          <a:stretch>
+            <a:fillRect/>
+          </a:stretch>
+        </p:blipFill>
+        <p:spPr bwMode="auto">
+          <a:xfrm>
+            <a:off x="0" y="1167033"/>
+            <a:ext cx="4000500" cy="2667000"/>
+          </a:xfrm>
+          <a:prstGeom prst="rect">
+            <a:avLst/>
+          </a:prstGeom>
+          <a:noFill/>
+        </p:spPr>
+      </p:pic>
+      <p:sp>
+        <p:nvSpPr>
+          <p:cNvPr id="5" name="TextBox 4"/>
+          <p:cNvSpPr txBox="1"/>
+          <p:nvPr/>
+        </p:nvSpPr>
+        <p:spPr>
+          <a:xfrm>
+            <a:off x="3497295" y="1378634"/>
+            <a:ext cx="8109912" cy="2015936"/>
+          </a:xfrm>
+          <a:prstGeom prst="rect">
+            <a:avLst/>
+          </a:prstGeom>
+          <a:noFill/>
+        </p:spPr>
+        <p:txBody>
+          <a:bodyPr wrap="none" rtlCol="0">
+            <a:spAutoFit/>
+          </a:bodyPr>
+          <a:lstStyle/>
+          <a:p>
+            <a:r>
+              <a:rPr lang="en-IN" sz="12500" b="1" dirty="0" smtClean="0">
+                <a:solidFill>
+                  <a:srgbClr val="CC6600"/>
+                </a:solidFill>
+              </a:rPr>
+              <a:t>IK ONKAR</a:t>
+            </a:r>
+            <a:endParaRPr lang="en-US" sz="12500" b="1" dirty="0">
+              <a:solidFill>
+                <a:srgbClr val="CC6600"/>
+              </a:solidFill>
+            </a:endParaRPr>
+          </a:p>
+        </p:txBody>
+      </p:sp>
+      <p:sp>
+        <p:nvSpPr>
+          <p:cNvPr id="6" name="Rectangle 5"/>
+          <p:cNvSpPr/>
+          <p:nvPr/>
+        </p:nvSpPr>
+        <p:spPr>
+          <a:xfrm>
+            <a:off x="787791" y="1280159"/>
+            <a:ext cx="11000935" cy="3137095"/>
+          </a:xfrm>
+          <a:prstGeom prst="rect">
+            <a:avLst/>
+          </a:prstGeom>
+          <a:noFill/>
+        </p:spPr>
+        <p:style>
+          <a:lnRef idx="2">
+            <a:schemeClr val="accent1">
+              <a:shade val="50000"/>
+            </a:schemeClr>
+          </a:lnRef>
+          <a:fillRef idx="1">
+            <a:schemeClr val="accent1"/>
+          </a:fillRef>
+          <a:effectRef idx="0">
+            <a:schemeClr val="accent1"/>
+          </a:effectRef>
+          <a:fontRef idx="minor">
+            <a:schemeClr val="lt1"/>
+          </a:fontRef>
+        </p:style>
+        <p:txBody>
+          <a:bodyPr rtlCol="0" anchor="ctr"/>
+          <a:lstStyle/>
+          <a:p>
+            <a:pPr algn="ctr"/>
+            <a:endParaRPr lang="en-US"/>
+          </a:p>
+        </p:txBody>
+      </p:sp>
+      <p:sp>
+        <p:nvSpPr>
+          <p:cNvPr id="7" name="Rectangle 6"/>
+          <p:cNvSpPr/>
+          <p:nvPr/>
+        </p:nvSpPr>
+        <p:spPr>
+          <a:xfrm>
+            <a:off x="858130" y="3258400"/>
+            <a:ext cx="10775852" cy="1015663"/>
+          </a:xfrm>
+          <a:prstGeom prst="rect">
+            <a:avLst/>
+          </a:prstGeom>
+        </p:spPr>
+        <p:txBody>
+          <a:bodyPr wrap="square">
+            <a:spAutoFit/>
+          </a:bodyPr>
+          <a:lstStyle/>
+          <a:p>
+            <a:pPr algn="ctr"/>
+            <a:r>
+              <a:rPr lang="en-US" sz="6000" b="1" dirty="0" smtClean="0">
+                <a:solidFill>
+                  <a:schemeClr val="bg1"/>
+                </a:solidFill>
+              </a:rPr>
+              <a:t>There is only one God</a:t>
+            </a:r>
+            <a:endParaRPr lang="en-US" sz="6000" b="1" dirty="0">
+              <a:solidFill>
+                <a:schemeClr val="bg1"/>
+              </a:solidFill>
+            </a:endParaRPr>
+          </a:p>
+        </p:txBody>
+      </p:sp>
+    </p:spTree>
+  </p:cSld>
+  <p:clrMapOvr>
+    <a:masterClrMapping/>
+  </p:clrMapOvr>
+  <p:timing>
+    <p:tnLst>
+      <p:par>
+        <p:cTn id="1" dur="indefinite" restart="never" nodeType="tmRoot"/>
+      </p:par>
+    </p:tnLst>
+  </p:timing>
+</p:sld>
+</file>
+
+<file path=ppt/slides/slide4.xml><?xml version="1.0" encoding="utf-8"?>
+<p:sld xmlns:a="http://schemas.openxmlformats.org/drawingml/2006/main" xmlns:r="http://schemas.openxmlformats.org/officeDocument/2006/relationships" xmlns:p="http://schemas.openxmlformats.org/presentationml/2006/main">
+  <p:cSld>
+    <p:spTree>
+      <p:nvGrpSpPr>
+        <p:cNvPr id="1" name=""/>
+        <p:cNvGrpSpPr/>
+        <p:nvPr/>
+      </p:nvGrpSpPr>
+      <p:grpSpPr>
+        <a:xfrm>
+          <a:off x="0" y="0"/>
+          <a:ext cx="0" cy="0"/>
+          <a:chOff x="0" y="0"/>
+          <a:chExt cx="0" cy="0"/>
+        </a:xfrm>
+      </p:grpSpPr>
       <p:sp>
         <p:nvSpPr>
           <p:cNvPr id="5" name="Rectangle 4"/>
@@ -4355,7 +4875,7 @@
 </p:sld>
 </file>
 
-<file path=ppt/slides/slide4.xml><?xml version="1.0" encoding="utf-8"?>
+<file path=ppt/slides/slide5.xml><?xml version="1.0" encoding="utf-8"?>
 <p:sld xmlns:a="http://schemas.openxmlformats.org/drawingml/2006/main" xmlns:r="http://schemas.openxmlformats.org/officeDocument/2006/relationships" xmlns:p="http://schemas.openxmlformats.org/presentationml/2006/main">
   <p:cSld>
     <p:spTree>
@@ -4755,7 +5275,7 @@
   <a:extraClrSchemeLst/>
   <a:extLst>
     <a:ext uri="{05A4C25C-085E-4340-85A3-A5531E510DB2}">
-      <thm15:themeFamily xmlns="" xmlns:thm15="http://schemas.microsoft.com/office/thememl/2012/main" name="Office Theme" id="{2E142A2C-CD16-42D6-873A-C26D2A0506FA}" vid="{1BDDFF52-6CD6-40A5-AB3C-68EB2F1E4D0A}"/>
+      <thm15:themeFamily xmlns:thm15="http://schemas.microsoft.com/office/thememl/2012/main" xmlns="" name="Office Theme" id="{2E142A2C-CD16-42D6-873A-C26D2A0506FA}" vid="{1BDDFF52-6CD6-40A5-AB3C-68EB2F1E4D0A}"/>
     </a:ext>
   </a:extLst>
 </a:theme>
